--- a/Documentation/Smart Eats Introduced.pptx
+++ b/Documentation/Smart Eats Introduced.pptx
@@ -188,7 +188,6 @@
           </a:p>
         </c:rich>
       </c:tx>
-      <c:layout/>
       <c:overlay val="0"/>
       <c:spPr>
         <a:noFill/>
@@ -505,7 +504,6 @@
     </c:plotArea>
     <c:legend>
       <c:legendPos val="r"/>
-      <c:layout/>
       <c:overlay val="0"/>
       <c:spPr>
         <a:solidFill>
@@ -7928,7 +7926,7 @@
           <a:p>
             <a:fld id="{A645A80C-7F22-FE49-B2E6-3FDECCA07255}" type="datetimeFigureOut">
               <a:rPr lang="en-US" smtClean="0"/>
-              <a:t>12/12/2017</a:t>
+              <a:t>1/5/2018</a:t>
             </a:fld>
             <a:endParaRPr lang="en-US"/>
           </a:p>
@@ -8450,7 +8448,7 @@
             <a:fld id="{87DE6118-2437-4B30-8E3C-4D2BE6020583}" type="datetimeFigureOut">
               <a:rPr lang="en-US" smtClean="0"/>
               <a:pPr/>
-              <a:t>12/12/2017</a:t>
+              <a:t>1/5/2018</a:t>
             </a:fld>
             <a:endParaRPr lang="en-US" dirty="0"/>
           </a:p>
@@ -8776,7 +8774,7 @@
           <a:p>
             <a:fld id="{87DE6118-2437-4B30-8E3C-4D2BE6020583}" type="datetimeFigureOut">
               <a:rPr lang="en-US" smtClean="0"/>
-              <a:t>12/12/2017</a:t>
+              <a:t>1/5/2018</a:t>
             </a:fld>
             <a:endParaRPr lang="en-US" dirty="0"/>
           </a:p>
@@ -8951,7 +8949,7 @@
           <a:p>
             <a:fld id="{87DE6118-2437-4B30-8E3C-4D2BE6020583}" type="datetimeFigureOut">
               <a:rPr lang="en-US" smtClean="0"/>
-              <a:t>12/12/2017</a:t>
+              <a:t>1/5/2018</a:t>
             </a:fld>
             <a:endParaRPr lang="en-US" dirty="0"/>
           </a:p>
@@ -9116,7 +9114,7 @@
           <a:p>
             <a:fld id="{87DE6118-2437-4B30-8E3C-4D2BE6020583}" type="datetimeFigureOut">
               <a:rPr lang="en-US" smtClean="0"/>
-              <a:t>12/12/2017</a:t>
+              <a:t>1/5/2018</a:t>
             </a:fld>
             <a:endParaRPr lang="en-US" dirty="0"/>
           </a:p>
@@ -9389,7 +9387,7 @@
             <a:fld id="{87DE6118-2437-4B30-8E3C-4D2BE6020583}" type="datetimeFigureOut">
               <a:rPr lang="en-US" smtClean="0"/>
               <a:pPr/>
-              <a:t>12/12/2017</a:t>
+              <a:t>1/5/2018</a:t>
             </a:fld>
             <a:endParaRPr lang="en-US" dirty="0"/>
           </a:p>
@@ -9835,7 +9833,7 @@
           <a:p>
             <a:fld id="{87DE6118-2437-4B30-8E3C-4D2BE6020583}" type="datetimeFigureOut">
               <a:rPr lang="en-US" smtClean="0"/>
-              <a:t>12/12/2017</a:t>
+              <a:t>1/5/2018</a:t>
             </a:fld>
             <a:endParaRPr lang="en-US" dirty="0"/>
           </a:p>
@@ -10307,7 +10305,7 @@
           <a:p>
             <a:fld id="{87DE6118-2437-4B30-8E3C-4D2BE6020583}" type="datetimeFigureOut">
               <a:rPr lang="en-US" smtClean="0"/>
-              <a:t>12/12/2017</a:t>
+              <a:t>1/5/2018</a:t>
             </a:fld>
             <a:endParaRPr lang="en-US" dirty="0"/>
           </a:p>
@@ -10420,7 +10418,7 @@
           <a:p>
             <a:fld id="{87DE6118-2437-4B30-8E3C-4D2BE6020583}" type="datetimeFigureOut">
               <a:rPr lang="en-US" smtClean="0"/>
-              <a:t>12/12/2017</a:t>
+              <a:t>1/5/2018</a:t>
             </a:fld>
             <a:endParaRPr lang="en-US" dirty="0"/>
           </a:p>
@@ -10510,7 +10508,7 @@
           <a:p>
             <a:fld id="{87DE6118-2437-4B30-8E3C-4D2BE6020583}" type="datetimeFigureOut">
               <a:rPr lang="en-US" smtClean="0"/>
-              <a:t>12/12/2017</a:t>
+              <a:t>1/5/2018</a:t>
             </a:fld>
             <a:endParaRPr lang="en-US" dirty="0"/>
           </a:p>
@@ -10854,7 +10852,7 @@
             <a:fld id="{87DE6118-2437-4B30-8E3C-4D2BE6020583}" type="datetimeFigureOut">
               <a:rPr lang="en-US" smtClean="0"/>
               <a:pPr/>
-              <a:t>12/12/2017</a:t>
+              <a:t>1/5/2018</a:t>
             </a:fld>
             <a:endParaRPr lang="en-US" dirty="0"/>
           </a:p>
@@ -11279,7 +11277,7 @@
             <a:fld id="{87DE6118-2437-4B30-8E3C-4D2BE6020583}" type="datetimeFigureOut">
               <a:rPr lang="en-US" smtClean="0"/>
               <a:pPr/>
-              <a:t>12/12/2017</a:t>
+              <a:t>1/5/2018</a:t>
             </a:fld>
             <a:endParaRPr lang="en-US" dirty="0"/>
           </a:p>
@@ -11592,7 +11590,7 @@
             <a:fld id="{87DE6118-2437-4B30-8E3C-4D2BE6020583}" type="datetimeFigureOut">
               <a:rPr lang="en-US" smtClean="0"/>
               <a:pPr/>
-              <a:t>12/12/2017</a:t>
+              <a:t>1/5/2018</a:t>
             </a:fld>
             <a:endParaRPr lang="en-US" dirty="0"/>
           </a:p>
@@ -12079,7 +12077,7 @@
   </p:txStyles>
   <p:extLst mod="1">
     <p:ext uri="{27BBF7A9-308A-43DC-89C8-2F10F3537804}">
-      <p15:sldGuideLst xmlns="" xmlns:p15="http://schemas.microsoft.com/office/powerpoint/2012/main">
+      <p15:sldGuideLst xmlns:p15="http://schemas.microsoft.com/office/powerpoint/2012/main" xmlns="">
         <p15:guide id="1" pos="6912">
           <p15:clr>
             <a:srgbClr val="F26B43"/>
@@ -12171,7 +12169,7 @@
           <p:cNvPr id="18" name="Rectangle 17">
             <a:extLst>
               <a:ext uri="{FF2B5EF4-FFF2-40B4-BE49-F238E27FC236}">
-                <a16:creationId xmlns:a16="http://schemas.microsoft.com/office/drawing/2014/main" xmlns="" id="{3C190481-9F17-4DEF-BAE7-AB8407D78F4D}"/>
+                <a16:creationId xmlns="" xmlns:a16="http://schemas.microsoft.com/office/drawing/2014/main" id="{3C190481-9F17-4DEF-BAE7-AB8407D78F4D}"/>
               </a:ext>
             </a:extLst>
           </p:cNvPr>
@@ -12181,7 +12179,7 @@
           <p:nvPr>
             <p:extLst>
               <p:ext uri="{386F3935-93C4-4BCD-93E2-E3B085C9AB24}">
-                <p16:designElem xmlns="" xmlns:p16="http://schemas.microsoft.com/office/powerpoint/2015/main" val="1"/>
+                <p16:designElem xmlns:p16="http://schemas.microsoft.com/office/powerpoint/2015/main" xmlns="" val="1"/>
               </p:ext>
             </p:extLst>
           </p:nvPr>
@@ -12408,7 +12406,7 @@
           <p:cNvPr id="16" name="Rectangle 15">
             <a:extLst>
               <a:ext uri="{FF2B5EF4-FFF2-40B4-BE49-F238E27FC236}">
-                <a16:creationId xmlns:a16="http://schemas.microsoft.com/office/drawing/2014/main" xmlns="" id="{699C17EF-9F98-4D0C-A74B-FA23A50AD3A6}"/>
+                <a16:creationId xmlns="" xmlns:a16="http://schemas.microsoft.com/office/drawing/2014/main" id="{699C17EF-9F98-4D0C-A74B-FA23A50AD3A6}"/>
               </a:ext>
             </a:extLst>
           </p:cNvPr>
@@ -12418,7 +12416,7 @@
           <p:nvPr>
             <p:extLst>
               <p:ext uri="{386F3935-93C4-4BCD-93E2-E3B085C9AB24}">
-                <p16:designElem xmlns="" xmlns:p16="http://schemas.microsoft.com/office/powerpoint/2015/main" val="1"/>
+                <p16:designElem xmlns:p16="http://schemas.microsoft.com/office/powerpoint/2015/main" xmlns="" val="1"/>
               </p:ext>
             </p:extLst>
           </p:nvPr>
@@ -12506,7 +12504,7 @@
           <p:cNvPr id="18" name="Rectangle 17" title="Side bar">
             <a:extLst>
               <a:ext uri="{FF2B5EF4-FFF2-40B4-BE49-F238E27FC236}">
-                <a16:creationId xmlns:a16="http://schemas.microsoft.com/office/drawing/2014/main" xmlns="" id="{94F17385-8DC0-437B-80A6-4E608B5ACC2D}"/>
+                <a16:creationId xmlns="" xmlns:a16="http://schemas.microsoft.com/office/drawing/2014/main" id="{94F17385-8DC0-437B-80A6-4E608B5ACC2D}"/>
               </a:ext>
             </a:extLst>
           </p:cNvPr>
@@ -12516,7 +12514,7 @@
           <p:nvPr>
             <p:extLst>
               <p:ext uri="{386F3935-93C4-4BCD-93E2-E3B085C9AB24}">
-                <p16:designElem xmlns="" xmlns:p16="http://schemas.microsoft.com/office/powerpoint/2015/main" val="1"/>
+                <p16:designElem xmlns:p16="http://schemas.microsoft.com/office/powerpoint/2015/main" xmlns="" val="1"/>
               </p:ext>
             </p:extLst>
           </p:nvPr>
@@ -12558,7 +12556,7 @@
           <p:cNvPr id="20" name="Rectangle 19">
             <a:extLst>
               <a:ext uri="{FF2B5EF4-FFF2-40B4-BE49-F238E27FC236}">
-                <a16:creationId xmlns:a16="http://schemas.microsoft.com/office/drawing/2014/main" xmlns="" id="{ECE34936-B6F6-4892-93D7-48FAA43F3BB4}"/>
+                <a16:creationId xmlns="" xmlns:a16="http://schemas.microsoft.com/office/drawing/2014/main" id="{ECE34936-B6F6-4892-93D7-48FAA43F3BB4}"/>
               </a:ext>
             </a:extLst>
           </p:cNvPr>
@@ -12568,7 +12566,7 @@
           <p:nvPr>
             <p:extLst>
               <p:ext uri="{386F3935-93C4-4BCD-93E2-E3B085C9AB24}">
-                <p16:designElem xmlns="" xmlns:p16="http://schemas.microsoft.com/office/powerpoint/2015/main" val="1"/>
+                <p16:designElem xmlns:p16="http://schemas.microsoft.com/office/powerpoint/2015/main" xmlns="" val="1"/>
               </p:ext>
             </p:extLst>
           </p:nvPr>
@@ -13079,7 +13077,7 @@
           <p:cNvPr id="9" name="Rectangle 8">
             <a:extLst>
               <a:ext uri="{FF2B5EF4-FFF2-40B4-BE49-F238E27FC236}">
-                <a16:creationId xmlns:a16="http://schemas.microsoft.com/office/drawing/2014/main" xmlns="" id="{699C17EF-9F98-4D0C-A74B-FA23A50AD3A6}"/>
+                <a16:creationId xmlns="" xmlns:a16="http://schemas.microsoft.com/office/drawing/2014/main" id="{699C17EF-9F98-4D0C-A74B-FA23A50AD3A6}"/>
               </a:ext>
             </a:extLst>
           </p:cNvPr>
@@ -13089,7 +13087,7 @@
           <p:nvPr>
             <p:extLst>
               <p:ext uri="{386F3935-93C4-4BCD-93E2-E3B085C9AB24}">
-                <p16:designElem xmlns="" xmlns:p16="http://schemas.microsoft.com/office/powerpoint/2015/main" val="1"/>
+                <p16:designElem xmlns:p16="http://schemas.microsoft.com/office/powerpoint/2015/main" xmlns="" val="1"/>
               </p:ext>
             </p:extLst>
           </p:nvPr>
@@ -13177,7 +13175,7 @@
           <p:cNvPr id="11" name="Rectangle 10" title="Side bar">
             <a:extLst>
               <a:ext uri="{FF2B5EF4-FFF2-40B4-BE49-F238E27FC236}">
-                <a16:creationId xmlns:a16="http://schemas.microsoft.com/office/drawing/2014/main" xmlns="" id="{94F17385-8DC0-437B-80A6-4E608B5ACC2D}"/>
+                <a16:creationId xmlns="" xmlns:a16="http://schemas.microsoft.com/office/drawing/2014/main" id="{94F17385-8DC0-437B-80A6-4E608B5ACC2D}"/>
               </a:ext>
             </a:extLst>
           </p:cNvPr>
@@ -13187,7 +13185,7 @@
           <p:nvPr>
             <p:extLst>
               <p:ext uri="{386F3935-93C4-4BCD-93E2-E3B085C9AB24}">
-                <p16:designElem xmlns="" xmlns:p16="http://schemas.microsoft.com/office/powerpoint/2015/main" val="1"/>
+                <p16:designElem xmlns:p16="http://schemas.microsoft.com/office/powerpoint/2015/main" xmlns="" val="1"/>
               </p:ext>
             </p:extLst>
           </p:nvPr>
@@ -13229,7 +13227,7 @@
           <p:cNvPr id="13" name="Rectangle 12">
             <a:extLst>
               <a:ext uri="{FF2B5EF4-FFF2-40B4-BE49-F238E27FC236}">
-                <a16:creationId xmlns:a16="http://schemas.microsoft.com/office/drawing/2014/main" xmlns="" id="{ECE34936-B6F6-4892-93D7-48FAA43F3BB4}"/>
+                <a16:creationId xmlns="" xmlns:a16="http://schemas.microsoft.com/office/drawing/2014/main" id="{ECE34936-B6F6-4892-93D7-48FAA43F3BB4}"/>
               </a:ext>
             </a:extLst>
           </p:cNvPr>
@@ -13239,7 +13237,7 @@
           <p:nvPr>
             <p:extLst>
               <p:ext uri="{386F3935-93C4-4BCD-93E2-E3B085C9AB24}">
-                <p16:designElem xmlns="" xmlns:p16="http://schemas.microsoft.com/office/powerpoint/2015/main" val="1"/>
+                <p16:designElem xmlns:p16="http://schemas.microsoft.com/office/powerpoint/2015/main" xmlns="" val="1"/>
               </p:ext>
             </p:extLst>
           </p:nvPr>
@@ -13512,7 +13510,7 @@
           <p:cNvPr id="10" name="Rectangle 9">
             <a:extLst>
               <a:ext uri="{FF2B5EF4-FFF2-40B4-BE49-F238E27FC236}">
-                <a16:creationId xmlns:a16="http://schemas.microsoft.com/office/drawing/2014/main" xmlns="" id="{BC46CD03-D076-40A3-9AA4-2B7BB288B160}"/>
+                <a16:creationId xmlns="" xmlns:a16="http://schemas.microsoft.com/office/drawing/2014/main" id="{BC46CD03-D076-40A3-9AA4-2B7BB288B160}"/>
               </a:ext>
             </a:extLst>
           </p:cNvPr>
@@ -13522,7 +13520,7 @@
           <p:nvPr>
             <p:extLst>
               <p:ext uri="{386F3935-93C4-4BCD-93E2-E3B085C9AB24}">
-                <p16:designElem xmlns="" xmlns:p16="http://schemas.microsoft.com/office/powerpoint/2015/main" val="1"/>
+                <p16:designElem xmlns:p16="http://schemas.microsoft.com/office/powerpoint/2015/main" xmlns="" val="1"/>
               </p:ext>
             </p:extLst>
           </p:nvPr>
@@ -13585,7 +13583,7 @@
           <p:cNvPr id="12" name="Rectangle 11" title="Side bar">
             <a:extLst>
               <a:ext uri="{FF2B5EF4-FFF2-40B4-BE49-F238E27FC236}">
-                <a16:creationId xmlns:a16="http://schemas.microsoft.com/office/drawing/2014/main" xmlns="" id="{88D28697-83F7-4C09-A9B2-6CAA58855626}"/>
+                <a16:creationId xmlns="" xmlns:a16="http://schemas.microsoft.com/office/drawing/2014/main" id="{88D28697-83F7-4C09-A9B2-6CAA58855626}"/>
               </a:ext>
             </a:extLst>
           </p:cNvPr>
@@ -13595,7 +13593,7 @@
           <p:nvPr>
             <p:extLst>
               <p:ext uri="{386F3935-93C4-4BCD-93E2-E3B085C9AB24}">
-                <p16:designElem xmlns="" xmlns:p16="http://schemas.microsoft.com/office/powerpoint/2015/main" val="1"/>
+                <p16:designElem xmlns:p16="http://schemas.microsoft.com/office/powerpoint/2015/main" xmlns="" val="1"/>
               </p:ext>
             </p:extLst>
           </p:nvPr>
@@ -14583,7 +14581,7 @@
           <p:cNvPr id="9" name="Group 8">
             <a:extLst>
               <a:ext uri="{FF2B5EF4-FFF2-40B4-BE49-F238E27FC236}">
-                <a16:creationId xmlns:a16="http://schemas.microsoft.com/office/drawing/2014/main" xmlns="" id="{9D9D6BF1-DFF2-4526-9D13-BF339D8C4163}"/>
+                <a16:creationId xmlns="" xmlns:a16="http://schemas.microsoft.com/office/drawing/2014/main" id="{9D9D6BF1-DFF2-4526-9D13-BF339D8C4163}"/>
               </a:ext>
             </a:extLst>
           </p:cNvPr>
@@ -14593,7 +14591,7 @@
           <p:nvPr>
             <p:extLst>
               <p:ext uri="{386F3935-93C4-4BCD-93E2-E3B085C9AB24}">
-                <p16:designElem xmlns="" xmlns:p16="http://schemas.microsoft.com/office/powerpoint/2015/main" val="1"/>
+                <p16:designElem xmlns:p16="http://schemas.microsoft.com/office/powerpoint/2015/main" xmlns="" val="1"/>
               </p:ext>
             </p:extLst>
           </p:nvPr>
@@ -14611,7 +14609,7 @@
             <p:cNvPr id="10" name="Freeform 6">
               <a:extLst>
                 <a:ext uri="{FF2B5EF4-FFF2-40B4-BE49-F238E27FC236}">
-                  <a16:creationId xmlns:a16="http://schemas.microsoft.com/office/drawing/2014/main" xmlns="" id="{A54D4DB6-FB18-4CAE-8905-E0053C92569E}"/>
+                  <a16:creationId xmlns="" xmlns:a16="http://schemas.microsoft.com/office/drawing/2014/main" id="{A54D4DB6-FB18-4CAE-8905-E0053C92569E}"/>
                 </a:ext>
               </a:extLst>
             </p:cNvPr>
@@ -14619,7 +14617,7 @@
             <p:nvPr>
               <p:extLst>
                 <p:ext uri="{386F3935-93C4-4BCD-93E2-E3B085C9AB24}">
-                  <p16:designElem xmlns="" xmlns:p16="http://schemas.microsoft.com/office/powerpoint/2015/main" val="1"/>
+                  <p16:designElem xmlns:p16="http://schemas.microsoft.com/office/powerpoint/2015/main" xmlns="" val="1"/>
                 </p:ext>
               </p:extLst>
             </p:nvPr>
@@ -14679,7 +14677,7 @@
             <p:cNvPr id="11" name="Freeform 6">
               <a:extLst>
                 <a:ext uri="{FF2B5EF4-FFF2-40B4-BE49-F238E27FC236}">
-                  <a16:creationId xmlns:a16="http://schemas.microsoft.com/office/drawing/2014/main" xmlns="" id="{1DBD6488-9429-4FFA-8AE8-C4022C39B0F2}"/>
+                  <a16:creationId xmlns="" xmlns:a16="http://schemas.microsoft.com/office/drawing/2014/main" id="{1DBD6488-9429-4FFA-8AE8-C4022C39B0F2}"/>
                 </a:ext>
               </a:extLst>
             </p:cNvPr>
@@ -14687,7 +14685,7 @@
             <p:nvPr>
               <p:extLst>
                 <p:ext uri="{386F3935-93C4-4BCD-93E2-E3B085C9AB24}">
-                  <p16:designElem xmlns="" xmlns:p16="http://schemas.microsoft.com/office/powerpoint/2015/main" val="1"/>
+                  <p16:designElem xmlns:p16="http://schemas.microsoft.com/office/powerpoint/2015/main" xmlns="" val="1"/>
                 </p:ext>
               </p:extLst>
             </p:nvPr>
@@ -14787,7 +14785,7 @@
           <p:cNvPr id="13" name="Rectangle 12">
             <a:extLst>
               <a:ext uri="{FF2B5EF4-FFF2-40B4-BE49-F238E27FC236}">
-                <a16:creationId xmlns:a16="http://schemas.microsoft.com/office/drawing/2014/main" xmlns="" id="{EF1A96B9-F717-4812-9DB0-C99D994623B8}"/>
+                <a16:creationId xmlns="" xmlns:a16="http://schemas.microsoft.com/office/drawing/2014/main" id="{EF1A96B9-F717-4812-9DB0-C99D994623B8}"/>
               </a:ext>
             </a:extLst>
           </p:cNvPr>
@@ -14797,7 +14795,7 @@
           <p:nvPr>
             <p:extLst>
               <p:ext uri="{386F3935-93C4-4BCD-93E2-E3B085C9AB24}">
-                <p16:designElem xmlns="" xmlns:p16="http://schemas.microsoft.com/office/powerpoint/2015/main" val="1"/>
+                <p16:designElem xmlns:p16="http://schemas.microsoft.com/office/powerpoint/2015/main" xmlns="" val="1"/>
               </p:ext>
             </p:extLst>
           </p:nvPr>
@@ -14849,7 +14847,7 @@
           <p:cNvPr id="15" name="Freeform 6">
             <a:extLst>
               <a:ext uri="{FF2B5EF4-FFF2-40B4-BE49-F238E27FC236}">
-                <a16:creationId xmlns:a16="http://schemas.microsoft.com/office/drawing/2014/main" xmlns="" id="{BB5C5996-5C1E-4768-90AE-87BED835C607}"/>
+                <a16:creationId xmlns="" xmlns:a16="http://schemas.microsoft.com/office/drawing/2014/main" id="{BB5C5996-5C1E-4768-90AE-87BED835C607}"/>
               </a:ext>
             </a:extLst>
           </p:cNvPr>
@@ -14859,7 +14857,7 @@
           <p:nvPr>
             <p:extLst>
               <p:ext uri="{386F3935-93C4-4BCD-93E2-E3B085C9AB24}">
-                <p16:designElem xmlns="" xmlns:p16="http://schemas.microsoft.com/office/powerpoint/2015/main" val="1"/>
+                <p16:designElem xmlns:p16="http://schemas.microsoft.com/office/powerpoint/2015/main" xmlns="" val="1"/>
               </p:ext>
             </p:extLst>
           </p:nvPr>
@@ -14919,7 +14917,7 @@
           <p:cNvPr id="17" name="Freeform 6">
             <a:extLst>
               <a:ext uri="{FF2B5EF4-FFF2-40B4-BE49-F238E27FC236}">
-                <a16:creationId xmlns:a16="http://schemas.microsoft.com/office/drawing/2014/main" xmlns="" id="{226038F9-8CE0-4A41-9EF0-3A27023DEF39}"/>
+                <a16:creationId xmlns="" xmlns:a16="http://schemas.microsoft.com/office/drawing/2014/main" id="{226038F9-8CE0-4A41-9EF0-3A27023DEF39}"/>
               </a:ext>
             </a:extLst>
           </p:cNvPr>
@@ -14929,7 +14927,7 @@
           <p:nvPr>
             <p:extLst>
               <p:ext uri="{386F3935-93C4-4BCD-93E2-E3B085C9AB24}">
-                <p16:designElem xmlns="" xmlns:p16="http://schemas.microsoft.com/office/powerpoint/2015/main" val="1"/>
+                <p16:designElem xmlns:p16="http://schemas.microsoft.com/office/powerpoint/2015/main" xmlns="" val="1"/>
               </p:ext>
             </p:extLst>
           </p:nvPr>
@@ -15256,7 +15254,7 @@
           <p:cNvPr id="23" name="Rectangle 22">
             <a:extLst>
               <a:ext uri="{FF2B5EF4-FFF2-40B4-BE49-F238E27FC236}">
-                <a16:creationId xmlns:a16="http://schemas.microsoft.com/office/drawing/2014/main" xmlns="" id="{699C17EF-9F98-4D0C-A74B-FA23A50AD3A6}"/>
+                <a16:creationId xmlns="" xmlns:a16="http://schemas.microsoft.com/office/drawing/2014/main" id="{699C17EF-9F98-4D0C-A74B-FA23A50AD3A6}"/>
               </a:ext>
             </a:extLst>
           </p:cNvPr>
@@ -15266,7 +15264,7 @@
           <p:nvPr>
             <p:extLst>
               <p:ext uri="{386F3935-93C4-4BCD-93E2-E3B085C9AB24}">
-                <p16:designElem xmlns="" xmlns:p16="http://schemas.microsoft.com/office/powerpoint/2015/main" val="1"/>
+                <p16:designElem xmlns:p16="http://schemas.microsoft.com/office/powerpoint/2015/main" xmlns="" val="1"/>
               </p:ext>
             </p:extLst>
           </p:nvPr>
@@ -15345,7 +15343,7 @@
           <p:cNvPr id="25" name="Rectangle 24" title="Side bar">
             <a:extLst>
               <a:ext uri="{FF2B5EF4-FFF2-40B4-BE49-F238E27FC236}">
-                <a16:creationId xmlns:a16="http://schemas.microsoft.com/office/drawing/2014/main" xmlns="" id="{94F17385-8DC0-437B-80A6-4E608B5ACC2D}"/>
+                <a16:creationId xmlns="" xmlns:a16="http://schemas.microsoft.com/office/drawing/2014/main" id="{94F17385-8DC0-437B-80A6-4E608B5ACC2D}"/>
               </a:ext>
             </a:extLst>
           </p:cNvPr>
@@ -15355,7 +15353,7 @@
           <p:nvPr>
             <p:extLst>
               <p:ext uri="{386F3935-93C4-4BCD-93E2-E3B085C9AB24}">
-                <p16:designElem xmlns="" xmlns:p16="http://schemas.microsoft.com/office/powerpoint/2015/main" val="1"/>
+                <p16:designElem xmlns:p16="http://schemas.microsoft.com/office/powerpoint/2015/main" xmlns="" val="1"/>
               </p:ext>
             </p:extLst>
           </p:nvPr>
@@ -15397,7 +15395,7 @@
           <p:cNvPr id="27" name="Rectangle 26">
             <a:extLst>
               <a:ext uri="{FF2B5EF4-FFF2-40B4-BE49-F238E27FC236}">
-                <a16:creationId xmlns:a16="http://schemas.microsoft.com/office/drawing/2014/main" xmlns="" id="{ECE34936-B6F6-4892-93D7-48FAA43F3BB4}"/>
+                <a16:creationId xmlns="" xmlns:a16="http://schemas.microsoft.com/office/drawing/2014/main" id="{ECE34936-B6F6-4892-93D7-48FAA43F3BB4}"/>
               </a:ext>
             </a:extLst>
           </p:cNvPr>
@@ -15407,7 +15405,7 @@
           <p:nvPr>
             <p:extLst>
               <p:ext uri="{386F3935-93C4-4BCD-93E2-E3B085C9AB24}">
-                <p16:designElem xmlns="" xmlns:p16="http://schemas.microsoft.com/office/powerpoint/2015/main" val="1"/>
+                <p16:designElem xmlns:p16="http://schemas.microsoft.com/office/powerpoint/2015/main" xmlns="" val="1"/>
               </p:ext>
             </p:extLst>
           </p:nvPr>
@@ -15559,30 +15557,24 @@
           <a:p>
             <a:pPr marL="758825" lvl="1" indent="-354013"/>
             <a:r>
-              <a:rPr lang="en-US" sz="1700"/>
+              <a:rPr lang="en-US" sz="1700" dirty="0"/>
               <a:t>Software </a:t>
             </a:r>
             <a:r>
-              <a:rPr lang="en-US" sz="1700" smtClean="0"/>
+              <a:rPr lang="en-US" sz="1700" dirty="0" smtClean="0"/>
               <a:t>developer </a:t>
             </a:r>
             <a:r>
               <a:rPr lang="en-US" sz="1700" dirty="0"/>
-              <a:t>and QA Specialist</a:t>
-            </a:r>
-          </a:p>
-          <a:p>
-            <a:r>
-              <a:rPr lang="en-US" sz="1700" dirty="0" err="1"/>
-              <a:t>Svaran</a:t>
+              <a:t>and </a:t>
             </a:r>
             <a:r>
-              <a:rPr lang="en-US" sz="1700" dirty="0"/>
-              <a:t> Kumar </a:t>
+              <a:rPr lang="en-US" sz="1700"/>
+              <a:t>QA </a:t>
             </a:r>
             <a:r>
-              <a:rPr lang="en-US" sz="1700" dirty="0" err="1"/>
-              <a:t>Borra</a:t>
+              <a:rPr lang="en-US" sz="1700" smtClean="0"/>
+              <a:t>Specialist</a:t>
             </a:r>
             <a:endParaRPr lang="en-US" sz="1700" dirty="0"/>
           </a:p>
@@ -15727,7 +15719,7 @@
           <p:cNvPr id="12" name="Rectangle 11">
             <a:extLst>
               <a:ext uri="{FF2B5EF4-FFF2-40B4-BE49-F238E27FC236}">
-                <a16:creationId xmlns:a16="http://schemas.microsoft.com/office/drawing/2014/main" xmlns="" id="{BC46CD03-D076-40A3-9AA4-2B7BB288B160}"/>
+                <a16:creationId xmlns="" xmlns:a16="http://schemas.microsoft.com/office/drawing/2014/main" id="{BC46CD03-D076-40A3-9AA4-2B7BB288B160}"/>
               </a:ext>
             </a:extLst>
           </p:cNvPr>
@@ -15737,7 +15729,7 @@
           <p:nvPr>
             <p:extLst>
               <p:ext uri="{386F3935-93C4-4BCD-93E2-E3B085C9AB24}">
-                <p16:designElem xmlns="" xmlns:p16="http://schemas.microsoft.com/office/powerpoint/2015/main" val="1"/>
+                <p16:designElem xmlns:p16="http://schemas.microsoft.com/office/powerpoint/2015/main" xmlns="" val="1"/>
               </p:ext>
             </p:extLst>
           </p:nvPr>
@@ -15800,7 +15792,7 @@
           <p:cNvPr id="14" name="Rectangle 13" title="Side bar">
             <a:extLst>
               <a:ext uri="{FF2B5EF4-FFF2-40B4-BE49-F238E27FC236}">
-                <a16:creationId xmlns:a16="http://schemas.microsoft.com/office/drawing/2014/main" xmlns="" id="{88D28697-83F7-4C09-A9B2-6CAA58855626}"/>
+                <a16:creationId xmlns="" xmlns:a16="http://schemas.microsoft.com/office/drawing/2014/main" id="{88D28697-83F7-4C09-A9B2-6CAA58855626}"/>
               </a:ext>
             </a:extLst>
           </p:cNvPr>
@@ -15810,7 +15802,7 @@
           <p:nvPr>
             <p:extLst>
               <p:ext uri="{386F3935-93C4-4BCD-93E2-E3B085C9AB24}">
-                <p16:designElem xmlns="" xmlns:p16="http://schemas.microsoft.com/office/powerpoint/2015/main" val="1"/>
+                <p16:designElem xmlns:p16="http://schemas.microsoft.com/office/powerpoint/2015/main" xmlns="" val="1"/>
               </p:ext>
             </p:extLst>
           </p:nvPr>
@@ -16366,7 +16358,7 @@
           <p:cNvPr id="9" name="Rectangle 8">
             <a:extLst>
               <a:ext uri="{FF2B5EF4-FFF2-40B4-BE49-F238E27FC236}">
-                <a16:creationId xmlns:a16="http://schemas.microsoft.com/office/drawing/2014/main" xmlns="" id="{BC46CD03-D076-40A3-9AA4-2B7BB288B160}"/>
+                <a16:creationId xmlns="" xmlns:a16="http://schemas.microsoft.com/office/drawing/2014/main" id="{BC46CD03-D076-40A3-9AA4-2B7BB288B160}"/>
               </a:ext>
             </a:extLst>
           </p:cNvPr>
@@ -16376,7 +16368,7 @@
           <p:nvPr>
             <p:extLst>
               <p:ext uri="{386F3935-93C4-4BCD-93E2-E3B085C9AB24}">
-                <p16:designElem xmlns="" xmlns:p16="http://schemas.microsoft.com/office/powerpoint/2015/main" val="1"/>
+                <p16:designElem xmlns:p16="http://schemas.microsoft.com/office/powerpoint/2015/main" xmlns="" val="1"/>
               </p:ext>
             </p:extLst>
           </p:nvPr>
@@ -16439,7 +16431,7 @@
           <p:cNvPr id="11" name="Rectangle 10" title="Side bar">
             <a:extLst>
               <a:ext uri="{FF2B5EF4-FFF2-40B4-BE49-F238E27FC236}">
-                <a16:creationId xmlns:a16="http://schemas.microsoft.com/office/drawing/2014/main" xmlns="" id="{88D28697-83F7-4C09-A9B2-6CAA58855626}"/>
+                <a16:creationId xmlns="" xmlns:a16="http://schemas.microsoft.com/office/drawing/2014/main" id="{88D28697-83F7-4C09-A9B2-6CAA58855626}"/>
               </a:ext>
             </a:extLst>
           </p:cNvPr>
@@ -16449,7 +16441,7 @@
           <p:nvPr>
             <p:extLst>
               <p:ext uri="{386F3935-93C4-4BCD-93E2-E3B085C9AB24}">
-                <p16:designElem xmlns="" xmlns:p16="http://schemas.microsoft.com/office/powerpoint/2015/main" val="1"/>
+                <p16:designElem xmlns:p16="http://schemas.microsoft.com/office/powerpoint/2015/main" xmlns="" val="1"/>
               </p:ext>
             </p:extLst>
           </p:nvPr>
@@ -16958,7 +16950,7 @@
           <p:cNvPr id="16" name="Rectangle 15">
             <a:extLst>
               <a:ext uri="{FF2B5EF4-FFF2-40B4-BE49-F238E27FC236}">
-                <a16:creationId xmlns:a16="http://schemas.microsoft.com/office/drawing/2014/main" xmlns="" id="{699C17EF-9F98-4D0C-A74B-FA23A50AD3A6}"/>
+                <a16:creationId xmlns="" xmlns:a16="http://schemas.microsoft.com/office/drawing/2014/main" id="{699C17EF-9F98-4D0C-A74B-FA23A50AD3A6}"/>
               </a:ext>
             </a:extLst>
           </p:cNvPr>
@@ -16968,7 +16960,7 @@
           <p:nvPr>
             <p:extLst>
               <p:ext uri="{386F3935-93C4-4BCD-93E2-E3B085C9AB24}">
-                <p16:designElem xmlns="" xmlns:p16="http://schemas.microsoft.com/office/powerpoint/2015/main" val="1"/>
+                <p16:designElem xmlns:p16="http://schemas.microsoft.com/office/powerpoint/2015/main" xmlns="" val="1"/>
               </p:ext>
             </p:extLst>
           </p:nvPr>
@@ -17047,7 +17039,7 @@
           <p:cNvPr id="18" name="Rectangle 17" title="Side bar">
             <a:extLst>
               <a:ext uri="{FF2B5EF4-FFF2-40B4-BE49-F238E27FC236}">
-                <a16:creationId xmlns:a16="http://schemas.microsoft.com/office/drawing/2014/main" xmlns="" id="{94F17385-8DC0-437B-80A6-4E608B5ACC2D}"/>
+                <a16:creationId xmlns="" xmlns:a16="http://schemas.microsoft.com/office/drawing/2014/main" id="{94F17385-8DC0-437B-80A6-4E608B5ACC2D}"/>
               </a:ext>
             </a:extLst>
           </p:cNvPr>
@@ -17057,7 +17049,7 @@
           <p:nvPr>
             <p:extLst>
               <p:ext uri="{386F3935-93C4-4BCD-93E2-E3B085C9AB24}">
-                <p16:designElem xmlns="" xmlns:p16="http://schemas.microsoft.com/office/powerpoint/2015/main" val="1"/>
+                <p16:designElem xmlns:p16="http://schemas.microsoft.com/office/powerpoint/2015/main" xmlns="" val="1"/>
               </p:ext>
             </p:extLst>
           </p:nvPr>
@@ -17099,7 +17091,7 @@
           <p:cNvPr id="20" name="Rectangle 19">
             <a:extLst>
               <a:ext uri="{FF2B5EF4-FFF2-40B4-BE49-F238E27FC236}">
-                <a16:creationId xmlns:a16="http://schemas.microsoft.com/office/drawing/2014/main" xmlns="" id="{ECE34936-B6F6-4892-93D7-48FAA43F3BB4}"/>
+                <a16:creationId xmlns="" xmlns:a16="http://schemas.microsoft.com/office/drawing/2014/main" id="{ECE34936-B6F6-4892-93D7-48FAA43F3BB4}"/>
               </a:ext>
             </a:extLst>
           </p:cNvPr>
@@ -17109,7 +17101,7 @@
           <p:nvPr>
             <p:extLst>
               <p:ext uri="{386F3935-93C4-4BCD-93E2-E3B085C9AB24}">
-                <p16:designElem xmlns="" xmlns:p16="http://schemas.microsoft.com/office/powerpoint/2015/main" val="1"/>
+                <p16:designElem xmlns:p16="http://schemas.microsoft.com/office/powerpoint/2015/main" xmlns="" val="1"/>
               </p:ext>
             </p:extLst>
           </p:nvPr>
@@ -17500,7 +17492,7 @@
           <p:cNvPr id="16" name="Rectangle 15">
             <a:extLst>
               <a:ext uri="{FF2B5EF4-FFF2-40B4-BE49-F238E27FC236}">
-                <a16:creationId xmlns:a16="http://schemas.microsoft.com/office/drawing/2014/main" xmlns="" id="{699C17EF-9F98-4D0C-A74B-FA23A50AD3A6}"/>
+                <a16:creationId xmlns="" xmlns:a16="http://schemas.microsoft.com/office/drawing/2014/main" id="{699C17EF-9F98-4D0C-A74B-FA23A50AD3A6}"/>
               </a:ext>
             </a:extLst>
           </p:cNvPr>
@@ -17510,7 +17502,7 @@
           <p:nvPr>
             <p:extLst>
               <p:ext uri="{386F3935-93C4-4BCD-93E2-E3B085C9AB24}">
-                <p16:designElem xmlns="" xmlns:p16="http://schemas.microsoft.com/office/powerpoint/2015/main" val="1"/>
+                <p16:designElem xmlns:p16="http://schemas.microsoft.com/office/powerpoint/2015/main" xmlns="" val="1"/>
               </p:ext>
             </p:extLst>
           </p:nvPr>
@@ -17589,7 +17581,7 @@
           <p:cNvPr id="18" name="Rectangle 17" title="Side bar">
             <a:extLst>
               <a:ext uri="{FF2B5EF4-FFF2-40B4-BE49-F238E27FC236}">
-                <a16:creationId xmlns:a16="http://schemas.microsoft.com/office/drawing/2014/main" xmlns="" id="{94F17385-8DC0-437B-80A6-4E608B5ACC2D}"/>
+                <a16:creationId xmlns="" xmlns:a16="http://schemas.microsoft.com/office/drawing/2014/main" id="{94F17385-8DC0-437B-80A6-4E608B5ACC2D}"/>
               </a:ext>
             </a:extLst>
           </p:cNvPr>
@@ -17599,7 +17591,7 @@
           <p:nvPr>
             <p:extLst>
               <p:ext uri="{386F3935-93C4-4BCD-93E2-E3B085C9AB24}">
-                <p16:designElem xmlns="" xmlns:p16="http://schemas.microsoft.com/office/powerpoint/2015/main" val="1"/>
+                <p16:designElem xmlns:p16="http://schemas.microsoft.com/office/powerpoint/2015/main" xmlns="" val="1"/>
               </p:ext>
             </p:extLst>
           </p:nvPr>
@@ -17641,7 +17633,7 @@
           <p:cNvPr id="20" name="Rectangle 19">
             <a:extLst>
               <a:ext uri="{FF2B5EF4-FFF2-40B4-BE49-F238E27FC236}">
-                <a16:creationId xmlns:a16="http://schemas.microsoft.com/office/drawing/2014/main" xmlns="" id="{ECE34936-B6F6-4892-93D7-48FAA43F3BB4}"/>
+                <a16:creationId xmlns="" xmlns:a16="http://schemas.microsoft.com/office/drawing/2014/main" id="{ECE34936-B6F6-4892-93D7-48FAA43F3BB4}"/>
               </a:ext>
             </a:extLst>
           </p:cNvPr>
@@ -17651,7 +17643,7 @@
           <p:nvPr>
             <p:extLst>
               <p:ext uri="{386F3935-93C4-4BCD-93E2-E3B085C9AB24}">
-                <p16:designElem xmlns="" xmlns:p16="http://schemas.microsoft.com/office/powerpoint/2015/main" val="1"/>
+                <p16:designElem xmlns:p16="http://schemas.microsoft.com/office/powerpoint/2015/main" xmlns="" val="1"/>
               </p:ext>
             </p:extLst>
           </p:nvPr>
@@ -17774,11 +17766,7 @@
           <a:p>
             <a:r>
               <a:rPr lang="en-US" dirty="0" smtClean="0"/>
-              <a:t>3 </a:t>
-            </a:r>
-            <a:r>
-              <a:rPr lang="en-US" dirty="0" smtClean="0"/>
-              <a:t>recommendation types:</a:t>
+              <a:t>3 recommendation types:</a:t>
             </a:r>
           </a:p>
           <a:p>
@@ -17968,7 +17956,7 @@
           <p:cNvPr id="9" name="Rectangle 8">
             <a:extLst>
               <a:ext uri="{FF2B5EF4-FFF2-40B4-BE49-F238E27FC236}">
-                <a16:creationId xmlns:a16="http://schemas.microsoft.com/office/drawing/2014/main" xmlns="" id="{699C17EF-9F98-4D0C-A74B-FA23A50AD3A6}"/>
+                <a16:creationId xmlns="" xmlns:a16="http://schemas.microsoft.com/office/drawing/2014/main" id="{699C17EF-9F98-4D0C-A74B-FA23A50AD3A6}"/>
               </a:ext>
             </a:extLst>
           </p:cNvPr>
@@ -17978,7 +17966,7 @@
           <p:nvPr>
             <p:extLst>
               <p:ext uri="{386F3935-93C4-4BCD-93E2-E3B085C9AB24}">
-                <p16:designElem xmlns="" xmlns:p16="http://schemas.microsoft.com/office/powerpoint/2015/main" val="1"/>
+                <p16:designElem xmlns:p16="http://schemas.microsoft.com/office/powerpoint/2015/main" xmlns="" val="1"/>
               </p:ext>
             </p:extLst>
           </p:nvPr>
@@ -18057,7 +18045,7 @@
           <p:cNvPr id="11" name="Rectangle 10" title="Side bar">
             <a:extLst>
               <a:ext uri="{FF2B5EF4-FFF2-40B4-BE49-F238E27FC236}">
-                <a16:creationId xmlns:a16="http://schemas.microsoft.com/office/drawing/2014/main" xmlns="" id="{94F17385-8DC0-437B-80A6-4E608B5ACC2D}"/>
+                <a16:creationId xmlns="" xmlns:a16="http://schemas.microsoft.com/office/drawing/2014/main" id="{94F17385-8DC0-437B-80A6-4E608B5ACC2D}"/>
               </a:ext>
             </a:extLst>
           </p:cNvPr>
@@ -18067,7 +18055,7 @@
           <p:nvPr>
             <p:extLst>
               <p:ext uri="{386F3935-93C4-4BCD-93E2-E3B085C9AB24}">
-                <p16:designElem xmlns="" xmlns:p16="http://schemas.microsoft.com/office/powerpoint/2015/main" val="1"/>
+                <p16:designElem xmlns:p16="http://schemas.microsoft.com/office/powerpoint/2015/main" xmlns="" val="1"/>
               </p:ext>
             </p:extLst>
           </p:nvPr>
@@ -18109,7 +18097,7 @@
           <p:cNvPr id="13" name="Rectangle 12">
             <a:extLst>
               <a:ext uri="{FF2B5EF4-FFF2-40B4-BE49-F238E27FC236}">
-                <a16:creationId xmlns:a16="http://schemas.microsoft.com/office/drawing/2014/main" xmlns="" id="{ECE34936-B6F6-4892-93D7-48FAA43F3BB4}"/>
+                <a16:creationId xmlns="" xmlns:a16="http://schemas.microsoft.com/office/drawing/2014/main" id="{ECE34936-B6F6-4892-93D7-48FAA43F3BB4}"/>
               </a:ext>
             </a:extLst>
           </p:cNvPr>
@@ -18119,7 +18107,7 @@
           <p:nvPr>
             <p:extLst>
               <p:ext uri="{386F3935-93C4-4BCD-93E2-E3B085C9AB24}">
-                <p16:designElem xmlns="" xmlns:p16="http://schemas.microsoft.com/office/powerpoint/2015/main" val="1"/>
+                <p16:designElem xmlns:p16="http://schemas.microsoft.com/office/powerpoint/2015/main" xmlns="" val="1"/>
               </p:ext>
             </p:extLst>
           </p:nvPr>
@@ -18303,7 +18291,7 @@
           <p:cNvPr id="22" name="Group 21">
             <a:extLst>
               <a:ext uri="{FF2B5EF4-FFF2-40B4-BE49-F238E27FC236}">
-                <a16:creationId xmlns:a16="http://schemas.microsoft.com/office/drawing/2014/main" xmlns="" id="{9D9D6BF1-DFF2-4526-9D13-BF339D8C4163}"/>
+                <a16:creationId xmlns="" xmlns:a16="http://schemas.microsoft.com/office/drawing/2014/main" id="{9D9D6BF1-DFF2-4526-9D13-BF339D8C4163}"/>
               </a:ext>
             </a:extLst>
           </p:cNvPr>
@@ -18313,7 +18301,7 @@
           <p:nvPr>
             <p:extLst>
               <p:ext uri="{386F3935-93C4-4BCD-93E2-E3B085C9AB24}">
-                <p16:designElem xmlns="" xmlns:p16="http://schemas.microsoft.com/office/powerpoint/2015/main" val="1"/>
+                <p16:designElem xmlns:p16="http://schemas.microsoft.com/office/powerpoint/2015/main" xmlns="" val="1"/>
               </p:ext>
             </p:extLst>
           </p:nvPr>
@@ -18331,7 +18319,7 @@
             <p:cNvPr id="23" name="Freeform 6">
               <a:extLst>
                 <a:ext uri="{FF2B5EF4-FFF2-40B4-BE49-F238E27FC236}">
-                  <a16:creationId xmlns:a16="http://schemas.microsoft.com/office/drawing/2014/main" xmlns="" id="{A54D4DB6-FB18-4CAE-8905-E0053C92569E}"/>
+                  <a16:creationId xmlns="" xmlns:a16="http://schemas.microsoft.com/office/drawing/2014/main" id="{A54D4DB6-FB18-4CAE-8905-E0053C92569E}"/>
                 </a:ext>
               </a:extLst>
             </p:cNvPr>
@@ -18339,7 +18327,7 @@
             <p:nvPr>
               <p:extLst>
                 <p:ext uri="{386F3935-93C4-4BCD-93E2-E3B085C9AB24}">
-                  <p16:designElem xmlns="" xmlns:p16="http://schemas.microsoft.com/office/powerpoint/2015/main" val="1"/>
+                  <p16:designElem xmlns:p16="http://schemas.microsoft.com/office/powerpoint/2015/main" xmlns="" val="1"/>
                 </p:ext>
               </p:extLst>
             </p:nvPr>
@@ -18399,7 +18387,7 @@
             <p:cNvPr id="24" name="Freeform 6">
               <a:extLst>
                 <a:ext uri="{FF2B5EF4-FFF2-40B4-BE49-F238E27FC236}">
-                  <a16:creationId xmlns:a16="http://schemas.microsoft.com/office/drawing/2014/main" xmlns="" id="{1DBD6488-9429-4FFA-8AE8-C4022C39B0F2}"/>
+                  <a16:creationId xmlns="" xmlns:a16="http://schemas.microsoft.com/office/drawing/2014/main" id="{1DBD6488-9429-4FFA-8AE8-C4022C39B0F2}"/>
                 </a:ext>
               </a:extLst>
             </p:cNvPr>
@@ -18407,7 +18395,7 @@
             <p:nvPr>
               <p:extLst>
                 <p:ext uri="{386F3935-93C4-4BCD-93E2-E3B085C9AB24}">
-                  <p16:designElem xmlns="" xmlns:p16="http://schemas.microsoft.com/office/powerpoint/2015/main" val="1"/>
+                  <p16:designElem xmlns:p16="http://schemas.microsoft.com/office/powerpoint/2015/main" xmlns="" val="1"/>
                 </p:ext>
               </p:extLst>
             </p:nvPr>
@@ -18507,7 +18495,7 @@
           <p:cNvPr id="26" name="Rectangle 25">
             <a:extLst>
               <a:ext uri="{FF2B5EF4-FFF2-40B4-BE49-F238E27FC236}">
-                <a16:creationId xmlns:a16="http://schemas.microsoft.com/office/drawing/2014/main" xmlns="" id="{EF1A96B9-F717-4812-9DB0-C99D994623B8}"/>
+                <a16:creationId xmlns="" xmlns:a16="http://schemas.microsoft.com/office/drawing/2014/main" id="{EF1A96B9-F717-4812-9DB0-C99D994623B8}"/>
               </a:ext>
             </a:extLst>
           </p:cNvPr>
@@ -18517,7 +18505,7 @@
           <p:nvPr>
             <p:extLst>
               <p:ext uri="{386F3935-93C4-4BCD-93E2-E3B085C9AB24}">
-                <p16:designElem xmlns="" xmlns:p16="http://schemas.microsoft.com/office/powerpoint/2015/main" val="1"/>
+                <p16:designElem xmlns:p16="http://schemas.microsoft.com/office/powerpoint/2015/main" xmlns="" val="1"/>
               </p:ext>
             </p:extLst>
           </p:nvPr>
@@ -18569,7 +18557,7 @@
           <p:cNvPr id="28" name="Freeform 6">
             <a:extLst>
               <a:ext uri="{FF2B5EF4-FFF2-40B4-BE49-F238E27FC236}">
-                <a16:creationId xmlns:a16="http://schemas.microsoft.com/office/drawing/2014/main" xmlns="" id="{BB5C5996-5C1E-4768-90AE-87BED835C607}"/>
+                <a16:creationId xmlns="" xmlns:a16="http://schemas.microsoft.com/office/drawing/2014/main" id="{BB5C5996-5C1E-4768-90AE-87BED835C607}"/>
               </a:ext>
             </a:extLst>
           </p:cNvPr>
@@ -18579,7 +18567,7 @@
           <p:nvPr>
             <p:extLst>
               <p:ext uri="{386F3935-93C4-4BCD-93E2-E3B085C9AB24}">
-                <p16:designElem xmlns="" xmlns:p16="http://schemas.microsoft.com/office/powerpoint/2015/main" val="1"/>
+                <p16:designElem xmlns:p16="http://schemas.microsoft.com/office/powerpoint/2015/main" xmlns="" val="1"/>
               </p:ext>
             </p:extLst>
           </p:nvPr>
@@ -18639,7 +18627,7 @@
           <p:cNvPr id="30" name="Freeform 6">
             <a:extLst>
               <a:ext uri="{FF2B5EF4-FFF2-40B4-BE49-F238E27FC236}">
-                <a16:creationId xmlns:a16="http://schemas.microsoft.com/office/drawing/2014/main" xmlns="" id="{226038F9-8CE0-4A41-9EF0-3A27023DEF39}"/>
+                <a16:creationId xmlns="" xmlns:a16="http://schemas.microsoft.com/office/drawing/2014/main" id="{226038F9-8CE0-4A41-9EF0-3A27023DEF39}"/>
               </a:ext>
             </a:extLst>
           </p:cNvPr>
@@ -18649,7 +18637,7 @@
           <p:nvPr>
             <p:extLst>
               <p:ext uri="{386F3935-93C4-4BCD-93E2-E3B085C9AB24}">
-                <p16:designElem xmlns="" xmlns:p16="http://schemas.microsoft.com/office/powerpoint/2015/main" val="1"/>
+                <p16:designElem xmlns:p16="http://schemas.microsoft.com/office/powerpoint/2015/main" xmlns="" val="1"/>
               </p:ext>
             </p:extLst>
           </p:nvPr>
@@ -18881,7 +18869,7 @@
           <p:cNvPr id="9" name="Rectangle 8">
             <a:extLst>
               <a:ext uri="{FF2B5EF4-FFF2-40B4-BE49-F238E27FC236}">
-                <a16:creationId xmlns:a16="http://schemas.microsoft.com/office/drawing/2014/main" xmlns="" id="{BC46CD03-D076-40A3-9AA4-2B7BB288B160}"/>
+                <a16:creationId xmlns="" xmlns:a16="http://schemas.microsoft.com/office/drawing/2014/main" id="{BC46CD03-D076-40A3-9AA4-2B7BB288B160}"/>
               </a:ext>
             </a:extLst>
           </p:cNvPr>
@@ -18891,7 +18879,7 @@
           <p:nvPr>
             <p:extLst>
               <p:ext uri="{386F3935-93C4-4BCD-93E2-E3B085C9AB24}">
-                <p16:designElem xmlns="" xmlns:p16="http://schemas.microsoft.com/office/powerpoint/2015/main" val="1"/>
+                <p16:designElem xmlns:p16="http://schemas.microsoft.com/office/powerpoint/2015/main" xmlns="" val="1"/>
               </p:ext>
             </p:extLst>
           </p:nvPr>
@@ -18954,7 +18942,7 @@
           <p:cNvPr id="11" name="Rectangle 10" title="Side bar">
             <a:extLst>
               <a:ext uri="{FF2B5EF4-FFF2-40B4-BE49-F238E27FC236}">
-                <a16:creationId xmlns:a16="http://schemas.microsoft.com/office/drawing/2014/main" xmlns="" id="{88D28697-83F7-4C09-A9B2-6CAA58855626}"/>
+                <a16:creationId xmlns="" xmlns:a16="http://schemas.microsoft.com/office/drawing/2014/main" id="{88D28697-83F7-4C09-A9B2-6CAA58855626}"/>
               </a:ext>
             </a:extLst>
           </p:cNvPr>
@@ -18964,7 +18952,7 @@
           <p:nvPr>
             <p:extLst>
               <p:ext uri="{386F3935-93C4-4BCD-93E2-E3B085C9AB24}">
-                <p16:designElem xmlns="" xmlns:p16="http://schemas.microsoft.com/office/powerpoint/2015/main" val="1"/>
+                <p16:designElem xmlns:p16="http://schemas.microsoft.com/office/powerpoint/2015/main" xmlns="" val="1"/>
               </p:ext>
             </p:extLst>
           </p:nvPr>
@@ -19370,7 +19358,7 @@
   <a:extraClrSchemeLst/>
   <a:extLst>
     <a:ext uri="{05A4C25C-085E-4340-85A3-A5531E510DB2}">
-      <thm15:themeFamily xmlns="" xmlns:thm15="http://schemas.microsoft.com/office/thememl/2012/main" name="Crop" id="{EC9488ED-E761-4D60-9AC4-764D1FE2C171}" vid="{CE19780C-D67D-4C13-9DE9-A52BC3BA51B4}"/>
+      <thm15:themeFamily xmlns:thm15="http://schemas.microsoft.com/office/thememl/2012/main" xmlns="" name="Crop" id="{EC9488ED-E761-4D60-9AC4-764D1FE2C171}" vid="{CE19780C-D67D-4C13-9DE9-A52BC3BA51B4}"/>
     </a:ext>
   </a:extLst>
 </a:theme>
@@ -19631,7 +19619,7 @@
   <a:extraClrSchemeLst/>
   <a:extLst>
     <a:ext uri="{05A4C25C-085E-4340-85A3-A5531E510DB2}">
-      <thm15:themeFamily xmlns="" xmlns:thm15="http://schemas.microsoft.com/office/thememl/2012/main" name="Office Theme" id="{62F939B6-93AF-4DB8-9C6B-D6C7DFDC589F}" vid="{4A3C46E8-61CC-4603-A589-7422A47A8E4A}"/>
+      <thm15:themeFamily xmlns:thm15="http://schemas.microsoft.com/office/thememl/2012/main" xmlns="" name="Office Theme" id="{62F939B6-93AF-4DB8-9C6B-D6C7DFDC589F}" vid="{4A3C46E8-61CC-4603-A589-7422A47A8E4A}"/>
     </a:ext>
   </a:extLst>
 </a:theme>

--- a/Documentation/Smart Eats Introduced.pptx
+++ b/Documentation/Smart Eats Introduced.pptx
@@ -188,6 +188,7 @@
           </a:p>
         </c:rich>
       </c:tx>
+      <c:layout/>
       <c:overlay val="0"/>
       <c:spPr>
         <a:noFill/>
@@ -504,6 +505,7 @@
     </c:plotArea>
     <c:legend>
       <c:legendPos val="r"/>
+      <c:layout/>
       <c:overlay val="0"/>
       <c:spPr>
         <a:solidFill>
@@ -7926,7 +7928,7 @@
           <a:p>
             <a:fld id="{A645A80C-7F22-FE49-B2E6-3FDECCA07255}" type="datetimeFigureOut">
               <a:rPr lang="en-US" smtClean="0"/>
-              <a:t>1/5/2018</a:t>
+              <a:t>1/14/2018</a:t>
             </a:fld>
             <a:endParaRPr lang="en-US"/>
           </a:p>
@@ -8448,7 +8450,7 @@
             <a:fld id="{87DE6118-2437-4B30-8E3C-4D2BE6020583}" type="datetimeFigureOut">
               <a:rPr lang="en-US" smtClean="0"/>
               <a:pPr/>
-              <a:t>1/5/2018</a:t>
+              <a:t>1/14/2018</a:t>
             </a:fld>
             <a:endParaRPr lang="en-US" dirty="0"/>
           </a:p>
@@ -8774,7 +8776,7 @@
           <a:p>
             <a:fld id="{87DE6118-2437-4B30-8E3C-4D2BE6020583}" type="datetimeFigureOut">
               <a:rPr lang="en-US" smtClean="0"/>
-              <a:t>1/5/2018</a:t>
+              <a:t>1/14/2018</a:t>
             </a:fld>
             <a:endParaRPr lang="en-US" dirty="0"/>
           </a:p>
@@ -8949,7 +8951,7 @@
           <a:p>
             <a:fld id="{87DE6118-2437-4B30-8E3C-4D2BE6020583}" type="datetimeFigureOut">
               <a:rPr lang="en-US" smtClean="0"/>
-              <a:t>1/5/2018</a:t>
+              <a:t>1/14/2018</a:t>
             </a:fld>
             <a:endParaRPr lang="en-US" dirty="0"/>
           </a:p>
@@ -9114,7 +9116,7 @@
           <a:p>
             <a:fld id="{87DE6118-2437-4B30-8E3C-4D2BE6020583}" type="datetimeFigureOut">
               <a:rPr lang="en-US" smtClean="0"/>
-              <a:t>1/5/2018</a:t>
+              <a:t>1/14/2018</a:t>
             </a:fld>
             <a:endParaRPr lang="en-US" dirty="0"/>
           </a:p>
@@ -9387,7 +9389,7 @@
             <a:fld id="{87DE6118-2437-4B30-8E3C-4D2BE6020583}" type="datetimeFigureOut">
               <a:rPr lang="en-US" smtClean="0"/>
               <a:pPr/>
-              <a:t>1/5/2018</a:t>
+              <a:t>1/14/2018</a:t>
             </a:fld>
             <a:endParaRPr lang="en-US" dirty="0"/>
           </a:p>
@@ -9833,7 +9835,7 @@
           <a:p>
             <a:fld id="{87DE6118-2437-4B30-8E3C-4D2BE6020583}" type="datetimeFigureOut">
               <a:rPr lang="en-US" smtClean="0"/>
-              <a:t>1/5/2018</a:t>
+              <a:t>1/14/2018</a:t>
             </a:fld>
             <a:endParaRPr lang="en-US" dirty="0"/>
           </a:p>
@@ -10305,7 +10307,7 @@
           <a:p>
             <a:fld id="{87DE6118-2437-4B30-8E3C-4D2BE6020583}" type="datetimeFigureOut">
               <a:rPr lang="en-US" smtClean="0"/>
-              <a:t>1/5/2018</a:t>
+              <a:t>1/14/2018</a:t>
             </a:fld>
             <a:endParaRPr lang="en-US" dirty="0"/>
           </a:p>
@@ -10418,7 +10420,7 @@
           <a:p>
             <a:fld id="{87DE6118-2437-4B30-8E3C-4D2BE6020583}" type="datetimeFigureOut">
               <a:rPr lang="en-US" smtClean="0"/>
-              <a:t>1/5/2018</a:t>
+              <a:t>1/14/2018</a:t>
             </a:fld>
             <a:endParaRPr lang="en-US" dirty="0"/>
           </a:p>
@@ -10508,7 +10510,7 @@
           <a:p>
             <a:fld id="{87DE6118-2437-4B30-8E3C-4D2BE6020583}" type="datetimeFigureOut">
               <a:rPr lang="en-US" smtClean="0"/>
-              <a:t>1/5/2018</a:t>
+              <a:t>1/14/2018</a:t>
             </a:fld>
             <a:endParaRPr lang="en-US" dirty="0"/>
           </a:p>
@@ -10852,7 +10854,7 @@
             <a:fld id="{87DE6118-2437-4B30-8E3C-4D2BE6020583}" type="datetimeFigureOut">
               <a:rPr lang="en-US" smtClean="0"/>
               <a:pPr/>
-              <a:t>1/5/2018</a:t>
+              <a:t>1/14/2018</a:t>
             </a:fld>
             <a:endParaRPr lang="en-US" dirty="0"/>
           </a:p>
@@ -11277,7 +11279,7 @@
             <a:fld id="{87DE6118-2437-4B30-8E3C-4D2BE6020583}" type="datetimeFigureOut">
               <a:rPr lang="en-US" smtClean="0"/>
               <a:pPr/>
-              <a:t>1/5/2018</a:t>
+              <a:t>1/14/2018</a:t>
             </a:fld>
             <a:endParaRPr lang="en-US" dirty="0"/>
           </a:p>
@@ -11590,7 +11592,7 @@
             <a:fld id="{87DE6118-2437-4B30-8E3C-4D2BE6020583}" type="datetimeFigureOut">
               <a:rPr lang="en-US" smtClean="0"/>
               <a:pPr/>
-              <a:t>1/5/2018</a:t>
+              <a:t>1/14/2018</a:t>
             </a:fld>
             <a:endParaRPr lang="en-US" dirty="0"/>
           </a:p>
@@ -12077,7 +12079,7 @@
   </p:txStyles>
   <p:extLst mod="1">
     <p:ext uri="{27BBF7A9-308A-43DC-89C8-2F10F3537804}">
-      <p15:sldGuideLst xmlns:p15="http://schemas.microsoft.com/office/powerpoint/2012/main" xmlns="">
+      <p15:sldGuideLst xmlns="" xmlns:p15="http://schemas.microsoft.com/office/powerpoint/2012/main">
         <p15:guide id="1" pos="6912">
           <p15:clr>
             <a:srgbClr val="F26B43"/>
@@ -12169,7 +12171,7 @@
           <p:cNvPr id="18" name="Rectangle 17">
             <a:extLst>
               <a:ext uri="{FF2B5EF4-FFF2-40B4-BE49-F238E27FC236}">
-                <a16:creationId xmlns="" xmlns:a16="http://schemas.microsoft.com/office/drawing/2014/main" id="{3C190481-9F17-4DEF-BAE7-AB8407D78F4D}"/>
+                <a16:creationId xmlns:a16="http://schemas.microsoft.com/office/drawing/2014/main" xmlns="" id="{3C190481-9F17-4DEF-BAE7-AB8407D78F4D}"/>
               </a:ext>
             </a:extLst>
           </p:cNvPr>
@@ -12179,7 +12181,7 @@
           <p:nvPr>
             <p:extLst>
               <p:ext uri="{386F3935-93C4-4BCD-93E2-E3B085C9AB24}">
-                <p16:designElem xmlns:p16="http://schemas.microsoft.com/office/powerpoint/2015/main" xmlns="" val="1"/>
+                <p16:designElem xmlns="" xmlns:p16="http://schemas.microsoft.com/office/powerpoint/2015/main" val="1"/>
               </p:ext>
             </p:extLst>
           </p:nvPr>
@@ -12406,7 +12408,7 @@
           <p:cNvPr id="16" name="Rectangle 15">
             <a:extLst>
               <a:ext uri="{FF2B5EF4-FFF2-40B4-BE49-F238E27FC236}">
-                <a16:creationId xmlns="" xmlns:a16="http://schemas.microsoft.com/office/drawing/2014/main" id="{699C17EF-9F98-4D0C-A74B-FA23A50AD3A6}"/>
+                <a16:creationId xmlns:a16="http://schemas.microsoft.com/office/drawing/2014/main" xmlns="" id="{699C17EF-9F98-4D0C-A74B-FA23A50AD3A6}"/>
               </a:ext>
             </a:extLst>
           </p:cNvPr>
@@ -12416,7 +12418,7 @@
           <p:nvPr>
             <p:extLst>
               <p:ext uri="{386F3935-93C4-4BCD-93E2-E3B085C9AB24}">
-                <p16:designElem xmlns:p16="http://schemas.microsoft.com/office/powerpoint/2015/main" xmlns="" val="1"/>
+                <p16:designElem xmlns="" xmlns:p16="http://schemas.microsoft.com/office/powerpoint/2015/main" val="1"/>
               </p:ext>
             </p:extLst>
           </p:nvPr>
@@ -12504,7 +12506,7 @@
           <p:cNvPr id="18" name="Rectangle 17" title="Side bar">
             <a:extLst>
               <a:ext uri="{FF2B5EF4-FFF2-40B4-BE49-F238E27FC236}">
-                <a16:creationId xmlns="" xmlns:a16="http://schemas.microsoft.com/office/drawing/2014/main" id="{94F17385-8DC0-437B-80A6-4E608B5ACC2D}"/>
+                <a16:creationId xmlns:a16="http://schemas.microsoft.com/office/drawing/2014/main" xmlns="" id="{94F17385-8DC0-437B-80A6-4E608B5ACC2D}"/>
               </a:ext>
             </a:extLst>
           </p:cNvPr>
@@ -12514,7 +12516,7 @@
           <p:nvPr>
             <p:extLst>
               <p:ext uri="{386F3935-93C4-4BCD-93E2-E3B085C9AB24}">
-                <p16:designElem xmlns:p16="http://schemas.microsoft.com/office/powerpoint/2015/main" xmlns="" val="1"/>
+                <p16:designElem xmlns="" xmlns:p16="http://schemas.microsoft.com/office/powerpoint/2015/main" val="1"/>
               </p:ext>
             </p:extLst>
           </p:nvPr>
@@ -12556,7 +12558,7 @@
           <p:cNvPr id="20" name="Rectangle 19">
             <a:extLst>
               <a:ext uri="{FF2B5EF4-FFF2-40B4-BE49-F238E27FC236}">
-                <a16:creationId xmlns="" xmlns:a16="http://schemas.microsoft.com/office/drawing/2014/main" id="{ECE34936-B6F6-4892-93D7-48FAA43F3BB4}"/>
+                <a16:creationId xmlns:a16="http://schemas.microsoft.com/office/drawing/2014/main" xmlns="" id="{ECE34936-B6F6-4892-93D7-48FAA43F3BB4}"/>
               </a:ext>
             </a:extLst>
           </p:cNvPr>
@@ -12566,7 +12568,7 @@
           <p:nvPr>
             <p:extLst>
               <p:ext uri="{386F3935-93C4-4BCD-93E2-E3B085C9AB24}">
-                <p16:designElem xmlns:p16="http://schemas.microsoft.com/office/powerpoint/2015/main" xmlns="" val="1"/>
+                <p16:designElem xmlns="" xmlns:p16="http://schemas.microsoft.com/office/powerpoint/2015/main" val="1"/>
               </p:ext>
             </p:extLst>
           </p:nvPr>
@@ -13077,7 +13079,7 @@
           <p:cNvPr id="9" name="Rectangle 8">
             <a:extLst>
               <a:ext uri="{FF2B5EF4-FFF2-40B4-BE49-F238E27FC236}">
-                <a16:creationId xmlns="" xmlns:a16="http://schemas.microsoft.com/office/drawing/2014/main" id="{699C17EF-9F98-4D0C-A74B-FA23A50AD3A6}"/>
+                <a16:creationId xmlns:a16="http://schemas.microsoft.com/office/drawing/2014/main" xmlns="" id="{699C17EF-9F98-4D0C-A74B-FA23A50AD3A6}"/>
               </a:ext>
             </a:extLst>
           </p:cNvPr>
@@ -13087,7 +13089,7 @@
           <p:nvPr>
             <p:extLst>
               <p:ext uri="{386F3935-93C4-4BCD-93E2-E3B085C9AB24}">
-                <p16:designElem xmlns:p16="http://schemas.microsoft.com/office/powerpoint/2015/main" xmlns="" val="1"/>
+                <p16:designElem xmlns="" xmlns:p16="http://schemas.microsoft.com/office/powerpoint/2015/main" val="1"/>
               </p:ext>
             </p:extLst>
           </p:nvPr>
@@ -13175,7 +13177,7 @@
           <p:cNvPr id="11" name="Rectangle 10" title="Side bar">
             <a:extLst>
               <a:ext uri="{FF2B5EF4-FFF2-40B4-BE49-F238E27FC236}">
-                <a16:creationId xmlns="" xmlns:a16="http://schemas.microsoft.com/office/drawing/2014/main" id="{94F17385-8DC0-437B-80A6-4E608B5ACC2D}"/>
+                <a16:creationId xmlns:a16="http://schemas.microsoft.com/office/drawing/2014/main" xmlns="" id="{94F17385-8DC0-437B-80A6-4E608B5ACC2D}"/>
               </a:ext>
             </a:extLst>
           </p:cNvPr>
@@ -13185,7 +13187,7 @@
           <p:nvPr>
             <p:extLst>
               <p:ext uri="{386F3935-93C4-4BCD-93E2-E3B085C9AB24}">
-                <p16:designElem xmlns:p16="http://schemas.microsoft.com/office/powerpoint/2015/main" xmlns="" val="1"/>
+                <p16:designElem xmlns="" xmlns:p16="http://schemas.microsoft.com/office/powerpoint/2015/main" val="1"/>
               </p:ext>
             </p:extLst>
           </p:nvPr>
@@ -13227,7 +13229,7 @@
           <p:cNvPr id="13" name="Rectangle 12">
             <a:extLst>
               <a:ext uri="{FF2B5EF4-FFF2-40B4-BE49-F238E27FC236}">
-                <a16:creationId xmlns="" xmlns:a16="http://schemas.microsoft.com/office/drawing/2014/main" id="{ECE34936-B6F6-4892-93D7-48FAA43F3BB4}"/>
+                <a16:creationId xmlns:a16="http://schemas.microsoft.com/office/drawing/2014/main" xmlns="" id="{ECE34936-B6F6-4892-93D7-48FAA43F3BB4}"/>
               </a:ext>
             </a:extLst>
           </p:cNvPr>
@@ -13237,7 +13239,7 @@
           <p:nvPr>
             <p:extLst>
               <p:ext uri="{386F3935-93C4-4BCD-93E2-E3B085C9AB24}">
-                <p16:designElem xmlns:p16="http://schemas.microsoft.com/office/powerpoint/2015/main" xmlns="" val="1"/>
+                <p16:designElem xmlns="" xmlns:p16="http://schemas.microsoft.com/office/powerpoint/2015/main" val="1"/>
               </p:ext>
             </p:extLst>
           </p:nvPr>
@@ -13510,7 +13512,7 @@
           <p:cNvPr id="10" name="Rectangle 9">
             <a:extLst>
               <a:ext uri="{FF2B5EF4-FFF2-40B4-BE49-F238E27FC236}">
-                <a16:creationId xmlns="" xmlns:a16="http://schemas.microsoft.com/office/drawing/2014/main" id="{BC46CD03-D076-40A3-9AA4-2B7BB288B160}"/>
+                <a16:creationId xmlns:a16="http://schemas.microsoft.com/office/drawing/2014/main" xmlns="" id="{BC46CD03-D076-40A3-9AA4-2B7BB288B160}"/>
               </a:ext>
             </a:extLst>
           </p:cNvPr>
@@ -13520,7 +13522,7 @@
           <p:nvPr>
             <p:extLst>
               <p:ext uri="{386F3935-93C4-4BCD-93E2-E3B085C9AB24}">
-                <p16:designElem xmlns:p16="http://schemas.microsoft.com/office/powerpoint/2015/main" xmlns="" val="1"/>
+                <p16:designElem xmlns="" xmlns:p16="http://schemas.microsoft.com/office/powerpoint/2015/main" val="1"/>
               </p:ext>
             </p:extLst>
           </p:nvPr>
@@ -13583,7 +13585,7 @@
           <p:cNvPr id="12" name="Rectangle 11" title="Side bar">
             <a:extLst>
               <a:ext uri="{FF2B5EF4-FFF2-40B4-BE49-F238E27FC236}">
-                <a16:creationId xmlns="" xmlns:a16="http://schemas.microsoft.com/office/drawing/2014/main" id="{88D28697-83F7-4C09-A9B2-6CAA58855626}"/>
+                <a16:creationId xmlns:a16="http://schemas.microsoft.com/office/drawing/2014/main" xmlns="" id="{88D28697-83F7-4C09-A9B2-6CAA58855626}"/>
               </a:ext>
             </a:extLst>
           </p:cNvPr>
@@ -13593,7 +13595,7 @@
           <p:nvPr>
             <p:extLst>
               <p:ext uri="{386F3935-93C4-4BCD-93E2-E3B085C9AB24}">
-                <p16:designElem xmlns:p16="http://schemas.microsoft.com/office/powerpoint/2015/main" xmlns="" val="1"/>
+                <p16:designElem xmlns="" xmlns:p16="http://schemas.microsoft.com/office/powerpoint/2015/main" val="1"/>
               </p:ext>
             </p:extLst>
           </p:nvPr>
@@ -14581,7 +14583,7 @@
           <p:cNvPr id="9" name="Group 8">
             <a:extLst>
               <a:ext uri="{FF2B5EF4-FFF2-40B4-BE49-F238E27FC236}">
-                <a16:creationId xmlns="" xmlns:a16="http://schemas.microsoft.com/office/drawing/2014/main" id="{9D9D6BF1-DFF2-4526-9D13-BF339D8C4163}"/>
+                <a16:creationId xmlns:a16="http://schemas.microsoft.com/office/drawing/2014/main" xmlns="" id="{9D9D6BF1-DFF2-4526-9D13-BF339D8C4163}"/>
               </a:ext>
             </a:extLst>
           </p:cNvPr>
@@ -14591,7 +14593,7 @@
           <p:nvPr>
             <p:extLst>
               <p:ext uri="{386F3935-93C4-4BCD-93E2-E3B085C9AB24}">
-                <p16:designElem xmlns:p16="http://schemas.microsoft.com/office/powerpoint/2015/main" xmlns="" val="1"/>
+                <p16:designElem xmlns="" xmlns:p16="http://schemas.microsoft.com/office/powerpoint/2015/main" val="1"/>
               </p:ext>
             </p:extLst>
           </p:nvPr>
@@ -14609,7 +14611,7 @@
             <p:cNvPr id="10" name="Freeform 6">
               <a:extLst>
                 <a:ext uri="{FF2B5EF4-FFF2-40B4-BE49-F238E27FC236}">
-                  <a16:creationId xmlns="" xmlns:a16="http://schemas.microsoft.com/office/drawing/2014/main" id="{A54D4DB6-FB18-4CAE-8905-E0053C92569E}"/>
+                  <a16:creationId xmlns:a16="http://schemas.microsoft.com/office/drawing/2014/main" xmlns="" id="{A54D4DB6-FB18-4CAE-8905-E0053C92569E}"/>
                 </a:ext>
               </a:extLst>
             </p:cNvPr>
@@ -14617,7 +14619,7 @@
             <p:nvPr>
               <p:extLst>
                 <p:ext uri="{386F3935-93C4-4BCD-93E2-E3B085C9AB24}">
-                  <p16:designElem xmlns:p16="http://schemas.microsoft.com/office/powerpoint/2015/main" xmlns="" val="1"/>
+                  <p16:designElem xmlns="" xmlns:p16="http://schemas.microsoft.com/office/powerpoint/2015/main" val="1"/>
                 </p:ext>
               </p:extLst>
             </p:nvPr>
@@ -14677,7 +14679,7 @@
             <p:cNvPr id="11" name="Freeform 6">
               <a:extLst>
                 <a:ext uri="{FF2B5EF4-FFF2-40B4-BE49-F238E27FC236}">
-                  <a16:creationId xmlns="" xmlns:a16="http://schemas.microsoft.com/office/drawing/2014/main" id="{1DBD6488-9429-4FFA-8AE8-C4022C39B0F2}"/>
+                  <a16:creationId xmlns:a16="http://schemas.microsoft.com/office/drawing/2014/main" xmlns="" id="{1DBD6488-9429-4FFA-8AE8-C4022C39B0F2}"/>
                 </a:ext>
               </a:extLst>
             </p:cNvPr>
@@ -14685,7 +14687,7 @@
             <p:nvPr>
               <p:extLst>
                 <p:ext uri="{386F3935-93C4-4BCD-93E2-E3B085C9AB24}">
-                  <p16:designElem xmlns:p16="http://schemas.microsoft.com/office/powerpoint/2015/main" xmlns="" val="1"/>
+                  <p16:designElem xmlns="" xmlns:p16="http://schemas.microsoft.com/office/powerpoint/2015/main" val="1"/>
                 </p:ext>
               </p:extLst>
             </p:nvPr>
@@ -14785,7 +14787,7 @@
           <p:cNvPr id="13" name="Rectangle 12">
             <a:extLst>
               <a:ext uri="{FF2B5EF4-FFF2-40B4-BE49-F238E27FC236}">
-                <a16:creationId xmlns="" xmlns:a16="http://schemas.microsoft.com/office/drawing/2014/main" id="{EF1A96B9-F717-4812-9DB0-C99D994623B8}"/>
+                <a16:creationId xmlns:a16="http://schemas.microsoft.com/office/drawing/2014/main" xmlns="" id="{EF1A96B9-F717-4812-9DB0-C99D994623B8}"/>
               </a:ext>
             </a:extLst>
           </p:cNvPr>
@@ -14795,7 +14797,7 @@
           <p:nvPr>
             <p:extLst>
               <p:ext uri="{386F3935-93C4-4BCD-93E2-E3B085C9AB24}">
-                <p16:designElem xmlns:p16="http://schemas.microsoft.com/office/powerpoint/2015/main" xmlns="" val="1"/>
+                <p16:designElem xmlns="" xmlns:p16="http://schemas.microsoft.com/office/powerpoint/2015/main" val="1"/>
               </p:ext>
             </p:extLst>
           </p:nvPr>
@@ -14847,7 +14849,7 @@
           <p:cNvPr id="15" name="Freeform 6">
             <a:extLst>
               <a:ext uri="{FF2B5EF4-FFF2-40B4-BE49-F238E27FC236}">
-                <a16:creationId xmlns="" xmlns:a16="http://schemas.microsoft.com/office/drawing/2014/main" id="{BB5C5996-5C1E-4768-90AE-87BED835C607}"/>
+                <a16:creationId xmlns:a16="http://schemas.microsoft.com/office/drawing/2014/main" xmlns="" id="{BB5C5996-5C1E-4768-90AE-87BED835C607}"/>
               </a:ext>
             </a:extLst>
           </p:cNvPr>
@@ -14857,7 +14859,7 @@
           <p:nvPr>
             <p:extLst>
               <p:ext uri="{386F3935-93C4-4BCD-93E2-E3B085C9AB24}">
-                <p16:designElem xmlns:p16="http://schemas.microsoft.com/office/powerpoint/2015/main" xmlns="" val="1"/>
+                <p16:designElem xmlns="" xmlns:p16="http://schemas.microsoft.com/office/powerpoint/2015/main" val="1"/>
               </p:ext>
             </p:extLst>
           </p:nvPr>
@@ -14917,7 +14919,7 @@
           <p:cNvPr id="17" name="Freeform 6">
             <a:extLst>
               <a:ext uri="{FF2B5EF4-FFF2-40B4-BE49-F238E27FC236}">
-                <a16:creationId xmlns="" xmlns:a16="http://schemas.microsoft.com/office/drawing/2014/main" id="{226038F9-8CE0-4A41-9EF0-3A27023DEF39}"/>
+                <a16:creationId xmlns:a16="http://schemas.microsoft.com/office/drawing/2014/main" xmlns="" id="{226038F9-8CE0-4A41-9EF0-3A27023DEF39}"/>
               </a:ext>
             </a:extLst>
           </p:cNvPr>
@@ -14927,7 +14929,7 @@
           <p:nvPr>
             <p:extLst>
               <p:ext uri="{386F3935-93C4-4BCD-93E2-E3B085C9AB24}">
-                <p16:designElem xmlns:p16="http://schemas.microsoft.com/office/powerpoint/2015/main" xmlns="" val="1"/>
+                <p16:designElem xmlns="" xmlns:p16="http://schemas.microsoft.com/office/powerpoint/2015/main" val="1"/>
               </p:ext>
             </p:extLst>
           </p:nvPr>
@@ -15254,7 +15256,7 @@
           <p:cNvPr id="23" name="Rectangle 22">
             <a:extLst>
               <a:ext uri="{FF2B5EF4-FFF2-40B4-BE49-F238E27FC236}">
-                <a16:creationId xmlns="" xmlns:a16="http://schemas.microsoft.com/office/drawing/2014/main" id="{699C17EF-9F98-4D0C-A74B-FA23A50AD3A6}"/>
+                <a16:creationId xmlns:a16="http://schemas.microsoft.com/office/drawing/2014/main" xmlns="" id="{699C17EF-9F98-4D0C-A74B-FA23A50AD3A6}"/>
               </a:ext>
             </a:extLst>
           </p:cNvPr>
@@ -15264,7 +15266,7 @@
           <p:nvPr>
             <p:extLst>
               <p:ext uri="{386F3935-93C4-4BCD-93E2-E3B085C9AB24}">
-                <p16:designElem xmlns:p16="http://schemas.microsoft.com/office/powerpoint/2015/main" xmlns="" val="1"/>
+                <p16:designElem xmlns="" xmlns:p16="http://schemas.microsoft.com/office/powerpoint/2015/main" val="1"/>
               </p:ext>
             </p:extLst>
           </p:nvPr>
@@ -15343,7 +15345,7 @@
           <p:cNvPr id="25" name="Rectangle 24" title="Side bar">
             <a:extLst>
               <a:ext uri="{FF2B5EF4-FFF2-40B4-BE49-F238E27FC236}">
-                <a16:creationId xmlns="" xmlns:a16="http://schemas.microsoft.com/office/drawing/2014/main" id="{94F17385-8DC0-437B-80A6-4E608B5ACC2D}"/>
+                <a16:creationId xmlns:a16="http://schemas.microsoft.com/office/drawing/2014/main" xmlns="" id="{94F17385-8DC0-437B-80A6-4E608B5ACC2D}"/>
               </a:ext>
             </a:extLst>
           </p:cNvPr>
@@ -15353,7 +15355,7 @@
           <p:nvPr>
             <p:extLst>
               <p:ext uri="{386F3935-93C4-4BCD-93E2-E3B085C9AB24}">
-                <p16:designElem xmlns:p16="http://schemas.microsoft.com/office/powerpoint/2015/main" xmlns="" val="1"/>
+                <p16:designElem xmlns="" xmlns:p16="http://schemas.microsoft.com/office/powerpoint/2015/main" val="1"/>
               </p:ext>
             </p:extLst>
           </p:nvPr>
@@ -15395,7 +15397,7 @@
           <p:cNvPr id="27" name="Rectangle 26">
             <a:extLst>
               <a:ext uri="{FF2B5EF4-FFF2-40B4-BE49-F238E27FC236}">
-                <a16:creationId xmlns="" xmlns:a16="http://schemas.microsoft.com/office/drawing/2014/main" id="{ECE34936-B6F6-4892-93D7-48FAA43F3BB4}"/>
+                <a16:creationId xmlns:a16="http://schemas.microsoft.com/office/drawing/2014/main" xmlns="" id="{ECE34936-B6F6-4892-93D7-48FAA43F3BB4}"/>
               </a:ext>
             </a:extLst>
           </p:cNvPr>
@@ -15405,7 +15407,7 @@
           <p:nvPr>
             <p:extLst>
               <p:ext uri="{386F3935-93C4-4BCD-93E2-E3B085C9AB24}">
-                <p16:designElem xmlns:p16="http://schemas.microsoft.com/office/powerpoint/2015/main" xmlns="" val="1"/>
+                <p16:designElem xmlns="" xmlns:p16="http://schemas.microsoft.com/office/powerpoint/2015/main" val="1"/>
               </p:ext>
             </p:extLst>
           </p:nvPr>
@@ -15719,7 +15721,7 @@
           <p:cNvPr id="12" name="Rectangle 11">
             <a:extLst>
               <a:ext uri="{FF2B5EF4-FFF2-40B4-BE49-F238E27FC236}">
-                <a16:creationId xmlns="" xmlns:a16="http://schemas.microsoft.com/office/drawing/2014/main" id="{BC46CD03-D076-40A3-9AA4-2B7BB288B160}"/>
+                <a16:creationId xmlns:a16="http://schemas.microsoft.com/office/drawing/2014/main" xmlns="" id="{BC46CD03-D076-40A3-9AA4-2B7BB288B160}"/>
               </a:ext>
             </a:extLst>
           </p:cNvPr>
@@ -15729,7 +15731,7 @@
           <p:nvPr>
             <p:extLst>
               <p:ext uri="{386F3935-93C4-4BCD-93E2-E3B085C9AB24}">
-                <p16:designElem xmlns:p16="http://schemas.microsoft.com/office/powerpoint/2015/main" xmlns="" val="1"/>
+                <p16:designElem xmlns="" xmlns:p16="http://schemas.microsoft.com/office/powerpoint/2015/main" val="1"/>
               </p:ext>
             </p:extLst>
           </p:nvPr>
@@ -15792,7 +15794,7 @@
           <p:cNvPr id="14" name="Rectangle 13" title="Side bar">
             <a:extLst>
               <a:ext uri="{FF2B5EF4-FFF2-40B4-BE49-F238E27FC236}">
-                <a16:creationId xmlns="" xmlns:a16="http://schemas.microsoft.com/office/drawing/2014/main" id="{88D28697-83F7-4C09-A9B2-6CAA58855626}"/>
+                <a16:creationId xmlns:a16="http://schemas.microsoft.com/office/drawing/2014/main" xmlns="" id="{88D28697-83F7-4C09-A9B2-6CAA58855626}"/>
               </a:ext>
             </a:extLst>
           </p:cNvPr>
@@ -15802,7 +15804,7 @@
           <p:nvPr>
             <p:extLst>
               <p:ext uri="{386F3935-93C4-4BCD-93E2-E3B085C9AB24}">
-                <p16:designElem xmlns:p16="http://schemas.microsoft.com/office/powerpoint/2015/main" xmlns="" val="1"/>
+                <p16:designElem xmlns="" xmlns:p16="http://schemas.microsoft.com/office/powerpoint/2015/main" val="1"/>
               </p:ext>
             </p:extLst>
           </p:nvPr>
@@ -16358,7 +16360,7 @@
           <p:cNvPr id="9" name="Rectangle 8">
             <a:extLst>
               <a:ext uri="{FF2B5EF4-FFF2-40B4-BE49-F238E27FC236}">
-                <a16:creationId xmlns="" xmlns:a16="http://schemas.microsoft.com/office/drawing/2014/main" id="{BC46CD03-D076-40A3-9AA4-2B7BB288B160}"/>
+                <a16:creationId xmlns:a16="http://schemas.microsoft.com/office/drawing/2014/main" xmlns="" id="{BC46CD03-D076-40A3-9AA4-2B7BB288B160}"/>
               </a:ext>
             </a:extLst>
           </p:cNvPr>
@@ -16368,7 +16370,7 @@
           <p:nvPr>
             <p:extLst>
               <p:ext uri="{386F3935-93C4-4BCD-93E2-E3B085C9AB24}">
-                <p16:designElem xmlns:p16="http://schemas.microsoft.com/office/powerpoint/2015/main" xmlns="" val="1"/>
+                <p16:designElem xmlns="" xmlns:p16="http://schemas.microsoft.com/office/powerpoint/2015/main" val="1"/>
               </p:ext>
             </p:extLst>
           </p:nvPr>
@@ -16431,7 +16433,7 @@
           <p:cNvPr id="11" name="Rectangle 10" title="Side bar">
             <a:extLst>
               <a:ext uri="{FF2B5EF4-FFF2-40B4-BE49-F238E27FC236}">
-                <a16:creationId xmlns="" xmlns:a16="http://schemas.microsoft.com/office/drawing/2014/main" id="{88D28697-83F7-4C09-A9B2-6CAA58855626}"/>
+                <a16:creationId xmlns:a16="http://schemas.microsoft.com/office/drawing/2014/main" xmlns="" id="{88D28697-83F7-4C09-A9B2-6CAA58855626}"/>
               </a:ext>
             </a:extLst>
           </p:cNvPr>
@@ -16441,7 +16443,7 @@
           <p:nvPr>
             <p:extLst>
               <p:ext uri="{386F3935-93C4-4BCD-93E2-E3B085C9AB24}">
-                <p16:designElem xmlns:p16="http://schemas.microsoft.com/office/powerpoint/2015/main" xmlns="" val="1"/>
+                <p16:designElem xmlns="" xmlns:p16="http://schemas.microsoft.com/office/powerpoint/2015/main" val="1"/>
               </p:ext>
             </p:extLst>
           </p:nvPr>
@@ -16950,7 +16952,7 @@
           <p:cNvPr id="16" name="Rectangle 15">
             <a:extLst>
               <a:ext uri="{FF2B5EF4-FFF2-40B4-BE49-F238E27FC236}">
-                <a16:creationId xmlns="" xmlns:a16="http://schemas.microsoft.com/office/drawing/2014/main" id="{699C17EF-9F98-4D0C-A74B-FA23A50AD3A6}"/>
+                <a16:creationId xmlns:a16="http://schemas.microsoft.com/office/drawing/2014/main" xmlns="" id="{699C17EF-9F98-4D0C-A74B-FA23A50AD3A6}"/>
               </a:ext>
             </a:extLst>
           </p:cNvPr>
@@ -16960,7 +16962,7 @@
           <p:nvPr>
             <p:extLst>
               <p:ext uri="{386F3935-93C4-4BCD-93E2-E3B085C9AB24}">
-                <p16:designElem xmlns:p16="http://schemas.microsoft.com/office/powerpoint/2015/main" xmlns="" val="1"/>
+                <p16:designElem xmlns="" xmlns:p16="http://schemas.microsoft.com/office/powerpoint/2015/main" val="1"/>
               </p:ext>
             </p:extLst>
           </p:nvPr>
@@ -17039,7 +17041,7 @@
           <p:cNvPr id="18" name="Rectangle 17" title="Side bar">
             <a:extLst>
               <a:ext uri="{FF2B5EF4-FFF2-40B4-BE49-F238E27FC236}">
-                <a16:creationId xmlns="" xmlns:a16="http://schemas.microsoft.com/office/drawing/2014/main" id="{94F17385-8DC0-437B-80A6-4E608B5ACC2D}"/>
+                <a16:creationId xmlns:a16="http://schemas.microsoft.com/office/drawing/2014/main" xmlns="" id="{94F17385-8DC0-437B-80A6-4E608B5ACC2D}"/>
               </a:ext>
             </a:extLst>
           </p:cNvPr>
@@ -17049,7 +17051,7 @@
           <p:nvPr>
             <p:extLst>
               <p:ext uri="{386F3935-93C4-4BCD-93E2-E3B085C9AB24}">
-                <p16:designElem xmlns:p16="http://schemas.microsoft.com/office/powerpoint/2015/main" xmlns="" val="1"/>
+                <p16:designElem xmlns="" xmlns:p16="http://schemas.microsoft.com/office/powerpoint/2015/main" val="1"/>
               </p:ext>
             </p:extLst>
           </p:nvPr>
@@ -17091,7 +17093,7 @@
           <p:cNvPr id="20" name="Rectangle 19">
             <a:extLst>
               <a:ext uri="{FF2B5EF4-FFF2-40B4-BE49-F238E27FC236}">
-                <a16:creationId xmlns="" xmlns:a16="http://schemas.microsoft.com/office/drawing/2014/main" id="{ECE34936-B6F6-4892-93D7-48FAA43F3BB4}"/>
+                <a16:creationId xmlns:a16="http://schemas.microsoft.com/office/drawing/2014/main" xmlns="" id="{ECE34936-B6F6-4892-93D7-48FAA43F3BB4}"/>
               </a:ext>
             </a:extLst>
           </p:cNvPr>
@@ -17101,7 +17103,7 @@
           <p:nvPr>
             <p:extLst>
               <p:ext uri="{386F3935-93C4-4BCD-93E2-E3B085C9AB24}">
-                <p16:designElem xmlns:p16="http://schemas.microsoft.com/office/powerpoint/2015/main" xmlns="" val="1"/>
+                <p16:designElem xmlns="" xmlns:p16="http://schemas.microsoft.com/office/powerpoint/2015/main" val="1"/>
               </p:ext>
             </p:extLst>
           </p:nvPr>
@@ -17492,7 +17494,7 @@
           <p:cNvPr id="16" name="Rectangle 15">
             <a:extLst>
               <a:ext uri="{FF2B5EF4-FFF2-40B4-BE49-F238E27FC236}">
-                <a16:creationId xmlns="" xmlns:a16="http://schemas.microsoft.com/office/drawing/2014/main" id="{699C17EF-9F98-4D0C-A74B-FA23A50AD3A6}"/>
+                <a16:creationId xmlns:a16="http://schemas.microsoft.com/office/drawing/2014/main" xmlns="" id="{699C17EF-9F98-4D0C-A74B-FA23A50AD3A6}"/>
               </a:ext>
             </a:extLst>
           </p:cNvPr>
@@ -17502,7 +17504,7 @@
           <p:nvPr>
             <p:extLst>
               <p:ext uri="{386F3935-93C4-4BCD-93E2-E3B085C9AB24}">
-                <p16:designElem xmlns:p16="http://schemas.microsoft.com/office/powerpoint/2015/main" xmlns="" val="1"/>
+                <p16:designElem xmlns="" xmlns:p16="http://schemas.microsoft.com/office/powerpoint/2015/main" val="1"/>
               </p:ext>
             </p:extLst>
           </p:nvPr>
@@ -17581,7 +17583,7 @@
           <p:cNvPr id="18" name="Rectangle 17" title="Side bar">
             <a:extLst>
               <a:ext uri="{FF2B5EF4-FFF2-40B4-BE49-F238E27FC236}">
-                <a16:creationId xmlns="" xmlns:a16="http://schemas.microsoft.com/office/drawing/2014/main" id="{94F17385-8DC0-437B-80A6-4E608B5ACC2D}"/>
+                <a16:creationId xmlns:a16="http://schemas.microsoft.com/office/drawing/2014/main" xmlns="" id="{94F17385-8DC0-437B-80A6-4E608B5ACC2D}"/>
               </a:ext>
             </a:extLst>
           </p:cNvPr>
@@ -17591,7 +17593,7 @@
           <p:nvPr>
             <p:extLst>
               <p:ext uri="{386F3935-93C4-4BCD-93E2-E3B085C9AB24}">
-                <p16:designElem xmlns:p16="http://schemas.microsoft.com/office/powerpoint/2015/main" xmlns="" val="1"/>
+                <p16:designElem xmlns="" xmlns:p16="http://schemas.microsoft.com/office/powerpoint/2015/main" val="1"/>
               </p:ext>
             </p:extLst>
           </p:nvPr>
@@ -17633,7 +17635,7 @@
           <p:cNvPr id="20" name="Rectangle 19">
             <a:extLst>
               <a:ext uri="{FF2B5EF4-FFF2-40B4-BE49-F238E27FC236}">
-                <a16:creationId xmlns="" xmlns:a16="http://schemas.microsoft.com/office/drawing/2014/main" id="{ECE34936-B6F6-4892-93D7-48FAA43F3BB4}"/>
+                <a16:creationId xmlns:a16="http://schemas.microsoft.com/office/drawing/2014/main" xmlns="" id="{ECE34936-B6F6-4892-93D7-48FAA43F3BB4}"/>
               </a:ext>
             </a:extLst>
           </p:cNvPr>
@@ -17643,7 +17645,7 @@
           <p:nvPr>
             <p:extLst>
               <p:ext uri="{386F3935-93C4-4BCD-93E2-E3B085C9AB24}">
-                <p16:designElem xmlns:p16="http://schemas.microsoft.com/office/powerpoint/2015/main" xmlns="" val="1"/>
+                <p16:designElem xmlns="" xmlns:p16="http://schemas.microsoft.com/office/powerpoint/2015/main" val="1"/>
               </p:ext>
             </p:extLst>
           </p:nvPr>
@@ -17956,7 +17958,7 @@
           <p:cNvPr id="9" name="Rectangle 8">
             <a:extLst>
               <a:ext uri="{FF2B5EF4-FFF2-40B4-BE49-F238E27FC236}">
-                <a16:creationId xmlns="" xmlns:a16="http://schemas.microsoft.com/office/drawing/2014/main" id="{699C17EF-9F98-4D0C-A74B-FA23A50AD3A6}"/>
+                <a16:creationId xmlns:a16="http://schemas.microsoft.com/office/drawing/2014/main" xmlns="" id="{699C17EF-9F98-4D0C-A74B-FA23A50AD3A6}"/>
               </a:ext>
             </a:extLst>
           </p:cNvPr>
@@ -17966,7 +17968,7 @@
           <p:nvPr>
             <p:extLst>
               <p:ext uri="{386F3935-93C4-4BCD-93E2-E3B085C9AB24}">
-                <p16:designElem xmlns:p16="http://schemas.microsoft.com/office/powerpoint/2015/main" xmlns="" val="1"/>
+                <p16:designElem xmlns="" xmlns:p16="http://schemas.microsoft.com/office/powerpoint/2015/main" val="1"/>
               </p:ext>
             </p:extLst>
           </p:nvPr>
@@ -18045,7 +18047,7 @@
           <p:cNvPr id="11" name="Rectangle 10" title="Side bar">
             <a:extLst>
               <a:ext uri="{FF2B5EF4-FFF2-40B4-BE49-F238E27FC236}">
-                <a16:creationId xmlns="" xmlns:a16="http://schemas.microsoft.com/office/drawing/2014/main" id="{94F17385-8DC0-437B-80A6-4E608B5ACC2D}"/>
+                <a16:creationId xmlns:a16="http://schemas.microsoft.com/office/drawing/2014/main" xmlns="" id="{94F17385-8DC0-437B-80A6-4E608B5ACC2D}"/>
               </a:ext>
             </a:extLst>
           </p:cNvPr>
@@ -18055,7 +18057,7 @@
           <p:nvPr>
             <p:extLst>
               <p:ext uri="{386F3935-93C4-4BCD-93E2-E3B085C9AB24}">
-                <p16:designElem xmlns:p16="http://schemas.microsoft.com/office/powerpoint/2015/main" xmlns="" val="1"/>
+                <p16:designElem xmlns="" xmlns:p16="http://schemas.microsoft.com/office/powerpoint/2015/main" val="1"/>
               </p:ext>
             </p:extLst>
           </p:nvPr>
@@ -18097,7 +18099,7 @@
           <p:cNvPr id="13" name="Rectangle 12">
             <a:extLst>
               <a:ext uri="{FF2B5EF4-FFF2-40B4-BE49-F238E27FC236}">
-                <a16:creationId xmlns="" xmlns:a16="http://schemas.microsoft.com/office/drawing/2014/main" id="{ECE34936-B6F6-4892-93D7-48FAA43F3BB4}"/>
+                <a16:creationId xmlns:a16="http://schemas.microsoft.com/office/drawing/2014/main" xmlns="" id="{ECE34936-B6F6-4892-93D7-48FAA43F3BB4}"/>
               </a:ext>
             </a:extLst>
           </p:cNvPr>
@@ -18107,7 +18109,7 @@
           <p:nvPr>
             <p:extLst>
               <p:ext uri="{386F3935-93C4-4BCD-93E2-E3B085C9AB24}">
-                <p16:designElem xmlns:p16="http://schemas.microsoft.com/office/powerpoint/2015/main" xmlns="" val="1"/>
+                <p16:designElem xmlns="" xmlns:p16="http://schemas.microsoft.com/office/powerpoint/2015/main" val="1"/>
               </p:ext>
             </p:extLst>
           </p:nvPr>
@@ -18291,7 +18293,7 @@
           <p:cNvPr id="22" name="Group 21">
             <a:extLst>
               <a:ext uri="{FF2B5EF4-FFF2-40B4-BE49-F238E27FC236}">
-                <a16:creationId xmlns="" xmlns:a16="http://schemas.microsoft.com/office/drawing/2014/main" id="{9D9D6BF1-DFF2-4526-9D13-BF339D8C4163}"/>
+                <a16:creationId xmlns:a16="http://schemas.microsoft.com/office/drawing/2014/main" xmlns="" id="{9D9D6BF1-DFF2-4526-9D13-BF339D8C4163}"/>
               </a:ext>
             </a:extLst>
           </p:cNvPr>
@@ -18301,7 +18303,7 @@
           <p:nvPr>
             <p:extLst>
               <p:ext uri="{386F3935-93C4-4BCD-93E2-E3B085C9AB24}">
-                <p16:designElem xmlns:p16="http://schemas.microsoft.com/office/powerpoint/2015/main" xmlns="" val="1"/>
+                <p16:designElem xmlns="" xmlns:p16="http://schemas.microsoft.com/office/powerpoint/2015/main" val="1"/>
               </p:ext>
             </p:extLst>
           </p:nvPr>
@@ -18319,7 +18321,7 @@
             <p:cNvPr id="23" name="Freeform 6">
               <a:extLst>
                 <a:ext uri="{FF2B5EF4-FFF2-40B4-BE49-F238E27FC236}">
-                  <a16:creationId xmlns="" xmlns:a16="http://schemas.microsoft.com/office/drawing/2014/main" id="{A54D4DB6-FB18-4CAE-8905-E0053C92569E}"/>
+                  <a16:creationId xmlns:a16="http://schemas.microsoft.com/office/drawing/2014/main" xmlns="" id="{A54D4DB6-FB18-4CAE-8905-E0053C92569E}"/>
                 </a:ext>
               </a:extLst>
             </p:cNvPr>
@@ -18327,7 +18329,7 @@
             <p:nvPr>
               <p:extLst>
                 <p:ext uri="{386F3935-93C4-4BCD-93E2-E3B085C9AB24}">
-                  <p16:designElem xmlns:p16="http://schemas.microsoft.com/office/powerpoint/2015/main" xmlns="" val="1"/>
+                  <p16:designElem xmlns="" xmlns:p16="http://schemas.microsoft.com/office/powerpoint/2015/main" val="1"/>
                 </p:ext>
               </p:extLst>
             </p:nvPr>
@@ -18387,7 +18389,7 @@
             <p:cNvPr id="24" name="Freeform 6">
               <a:extLst>
                 <a:ext uri="{FF2B5EF4-FFF2-40B4-BE49-F238E27FC236}">
-                  <a16:creationId xmlns="" xmlns:a16="http://schemas.microsoft.com/office/drawing/2014/main" id="{1DBD6488-9429-4FFA-8AE8-C4022C39B0F2}"/>
+                  <a16:creationId xmlns:a16="http://schemas.microsoft.com/office/drawing/2014/main" xmlns="" id="{1DBD6488-9429-4FFA-8AE8-C4022C39B0F2}"/>
                 </a:ext>
               </a:extLst>
             </p:cNvPr>
@@ -18395,7 +18397,7 @@
             <p:nvPr>
               <p:extLst>
                 <p:ext uri="{386F3935-93C4-4BCD-93E2-E3B085C9AB24}">
-                  <p16:designElem xmlns:p16="http://schemas.microsoft.com/office/powerpoint/2015/main" xmlns="" val="1"/>
+                  <p16:designElem xmlns="" xmlns:p16="http://schemas.microsoft.com/office/powerpoint/2015/main" val="1"/>
                 </p:ext>
               </p:extLst>
             </p:nvPr>
@@ -18495,7 +18497,7 @@
           <p:cNvPr id="26" name="Rectangle 25">
             <a:extLst>
               <a:ext uri="{FF2B5EF4-FFF2-40B4-BE49-F238E27FC236}">
-                <a16:creationId xmlns="" xmlns:a16="http://schemas.microsoft.com/office/drawing/2014/main" id="{EF1A96B9-F717-4812-9DB0-C99D994623B8}"/>
+                <a16:creationId xmlns:a16="http://schemas.microsoft.com/office/drawing/2014/main" xmlns="" id="{EF1A96B9-F717-4812-9DB0-C99D994623B8}"/>
               </a:ext>
             </a:extLst>
           </p:cNvPr>
@@ -18505,7 +18507,7 @@
           <p:nvPr>
             <p:extLst>
               <p:ext uri="{386F3935-93C4-4BCD-93E2-E3B085C9AB24}">
-                <p16:designElem xmlns:p16="http://schemas.microsoft.com/office/powerpoint/2015/main" xmlns="" val="1"/>
+                <p16:designElem xmlns="" xmlns:p16="http://schemas.microsoft.com/office/powerpoint/2015/main" val="1"/>
               </p:ext>
             </p:extLst>
           </p:nvPr>
@@ -18557,7 +18559,7 @@
           <p:cNvPr id="28" name="Freeform 6">
             <a:extLst>
               <a:ext uri="{FF2B5EF4-FFF2-40B4-BE49-F238E27FC236}">
-                <a16:creationId xmlns="" xmlns:a16="http://schemas.microsoft.com/office/drawing/2014/main" id="{BB5C5996-5C1E-4768-90AE-87BED835C607}"/>
+                <a16:creationId xmlns:a16="http://schemas.microsoft.com/office/drawing/2014/main" xmlns="" id="{BB5C5996-5C1E-4768-90AE-87BED835C607}"/>
               </a:ext>
             </a:extLst>
           </p:cNvPr>
@@ -18567,7 +18569,7 @@
           <p:nvPr>
             <p:extLst>
               <p:ext uri="{386F3935-93C4-4BCD-93E2-E3B085C9AB24}">
-                <p16:designElem xmlns:p16="http://schemas.microsoft.com/office/powerpoint/2015/main" xmlns="" val="1"/>
+                <p16:designElem xmlns="" xmlns:p16="http://schemas.microsoft.com/office/powerpoint/2015/main" val="1"/>
               </p:ext>
             </p:extLst>
           </p:nvPr>
@@ -18627,7 +18629,7 @@
           <p:cNvPr id="30" name="Freeform 6">
             <a:extLst>
               <a:ext uri="{FF2B5EF4-FFF2-40B4-BE49-F238E27FC236}">
-                <a16:creationId xmlns="" xmlns:a16="http://schemas.microsoft.com/office/drawing/2014/main" id="{226038F9-8CE0-4A41-9EF0-3A27023DEF39}"/>
+                <a16:creationId xmlns:a16="http://schemas.microsoft.com/office/drawing/2014/main" xmlns="" id="{226038F9-8CE0-4A41-9EF0-3A27023DEF39}"/>
               </a:ext>
             </a:extLst>
           </p:cNvPr>
@@ -18637,7 +18639,7 @@
           <p:nvPr>
             <p:extLst>
               <p:ext uri="{386F3935-93C4-4BCD-93E2-E3B085C9AB24}">
-                <p16:designElem xmlns:p16="http://schemas.microsoft.com/office/powerpoint/2015/main" xmlns="" val="1"/>
+                <p16:designElem xmlns="" xmlns:p16="http://schemas.microsoft.com/office/powerpoint/2015/main" val="1"/>
               </p:ext>
             </p:extLst>
           </p:nvPr>
@@ -18869,7 +18871,7 @@
           <p:cNvPr id="9" name="Rectangle 8">
             <a:extLst>
               <a:ext uri="{FF2B5EF4-FFF2-40B4-BE49-F238E27FC236}">
-                <a16:creationId xmlns="" xmlns:a16="http://schemas.microsoft.com/office/drawing/2014/main" id="{BC46CD03-D076-40A3-9AA4-2B7BB288B160}"/>
+                <a16:creationId xmlns:a16="http://schemas.microsoft.com/office/drawing/2014/main" xmlns="" id="{BC46CD03-D076-40A3-9AA4-2B7BB288B160}"/>
               </a:ext>
             </a:extLst>
           </p:cNvPr>
@@ -18879,7 +18881,7 @@
           <p:nvPr>
             <p:extLst>
               <p:ext uri="{386F3935-93C4-4BCD-93E2-E3B085C9AB24}">
-                <p16:designElem xmlns:p16="http://schemas.microsoft.com/office/powerpoint/2015/main" xmlns="" val="1"/>
+                <p16:designElem xmlns="" xmlns:p16="http://schemas.microsoft.com/office/powerpoint/2015/main" val="1"/>
               </p:ext>
             </p:extLst>
           </p:nvPr>
@@ -18942,7 +18944,7 @@
           <p:cNvPr id="11" name="Rectangle 10" title="Side bar">
             <a:extLst>
               <a:ext uri="{FF2B5EF4-FFF2-40B4-BE49-F238E27FC236}">
-                <a16:creationId xmlns="" xmlns:a16="http://schemas.microsoft.com/office/drawing/2014/main" id="{88D28697-83F7-4C09-A9B2-6CAA58855626}"/>
+                <a16:creationId xmlns:a16="http://schemas.microsoft.com/office/drawing/2014/main" xmlns="" id="{88D28697-83F7-4C09-A9B2-6CAA58855626}"/>
               </a:ext>
             </a:extLst>
           </p:cNvPr>
@@ -18952,7 +18954,7 @@
           <p:nvPr>
             <p:extLst>
               <p:ext uri="{386F3935-93C4-4BCD-93E2-E3B085C9AB24}">
-                <p16:designElem xmlns:p16="http://schemas.microsoft.com/office/powerpoint/2015/main" xmlns="" val="1"/>
+                <p16:designElem xmlns="" xmlns:p16="http://schemas.microsoft.com/office/powerpoint/2015/main" val="1"/>
               </p:ext>
             </p:extLst>
           </p:nvPr>
@@ -19358,7 +19360,7 @@
   <a:extraClrSchemeLst/>
   <a:extLst>
     <a:ext uri="{05A4C25C-085E-4340-85A3-A5531E510DB2}">
-      <thm15:themeFamily xmlns:thm15="http://schemas.microsoft.com/office/thememl/2012/main" xmlns="" name="Crop" id="{EC9488ED-E761-4D60-9AC4-764D1FE2C171}" vid="{CE19780C-D67D-4C13-9DE9-A52BC3BA51B4}"/>
+      <thm15:themeFamily xmlns="" xmlns:thm15="http://schemas.microsoft.com/office/thememl/2012/main" name="Crop" id="{EC9488ED-E761-4D60-9AC4-764D1FE2C171}" vid="{CE19780C-D67D-4C13-9DE9-A52BC3BA51B4}"/>
     </a:ext>
   </a:extLst>
 </a:theme>
@@ -19619,7 +19621,7 @@
   <a:extraClrSchemeLst/>
   <a:extLst>
     <a:ext uri="{05A4C25C-085E-4340-85A3-A5531E510DB2}">
-      <thm15:themeFamily xmlns:thm15="http://schemas.microsoft.com/office/thememl/2012/main" xmlns="" name="Office Theme" id="{62F939B6-93AF-4DB8-9C6B-D6C7DFDC589F}" vid="{4A3C46E8-61CC-4603-A589-7422A47A8E4A}"/>
+      <thm15:themeFamily xmlns="" xmlns:thm15="http://schemas.microsoft.com/office/thememl/2012/main" name="Office Theme" id="{62F939B6-93AF-4DB8-9C6B-D6C7DFDC589F}" vid="{4A3C46E8-61CC-4603-A589-7422A47A8E4A}"/>
     </a:ext>
   </a:extLst>
 </a:theme>
